--- a/Documentation/PresentationPIA.pptx
+++ b/Documentation/PresentationPIA.pptx
@@ -5,7 +5,7 @@
     <p:sldMasterId id="2147483648" r:id="rId1"/>
   </p:sldMasterIdLst>
   <p:notesMasterIdLst>
-    <p:notesMasterId r:id="rId19"/>
+    <p:notesMasterId r:id="rId20"/>
   </p:notesMasterIdLst>
   <p:sldIdLst>
     <p:sldId id="256" r:id="rId2"/>
@@ -25,6 +25,7 @@
     <p:sldId id="270" r:id="rId16"/>
     <p:sldId id="271" r:id="rId17"/>
     <p:sldId id="272" r:id="rId18"/>
+    <p:sldId id="273" r:id="rId19"/>
   </p:sldIdLst>
   <p:sldSz cx="12192000" cy="6858000"/>
   <p:notesSz cx="6858000" cy="9144000"/>
@@ -123,6 +124,11 @@
       </a:defRPr>
     </a:lvl9pPr>
   </p:defaultTextStyle>
+  <p:extLst>
+    <p:ext uri="{EFAFB233-063F-42B5-8137-9DF3F51BA10A}">
+      <p15:sldGuideLst xmlns:p15="http://schemas.microsoft.com/office/powerpoint/2012/main"/>
+    </p:ext>
+  </p:extLst>
 </p:presentation>
 </file>
 
@@ -208,7 +214,7 @@
           <a:p>
             <a:fld id="{D175DC6E-4EB8-4974-B40F-E494E476C91F}" type="datetimeFigureOut">
               <a:rPr lang="fr-FR" smtClean="0"/>
-              <a:t>22/04/2017</a:t>
+              <a:t>23/04/2017</a:t>
             </a:fld>
             <a:endParaRPr lang="fr-FR"/>
           </a:p>
@@ -661,7 +667,7 @@
           <a:p>
             <a:fld id="{6E038034-C16F-45AE-A9ED-D94DAAA853D3}" type="datetime1">
               <a:rPr lang="en-US" smtClean="0"/>
-              <a:t>4/22/2017</a:t>
+              <a:t>4/23/2017</a:t>
             </a:fld>
             <a:endParaRPr lang="en-US" dirty="0"/>
           </a:p>
@@ -931,7 +937,7 @@
           <a:p>
             <a:fld id="{C07A7C4C-9EBA-41FA-97AC-949D3699028C}" type="datetime1">
               <a:rPr lang="en-US" smtClean="0"/>
-              <a:t>4/22/2017</a:t>
+              <a:t>4/23/2017</a:t>
             </a:fld>
             <a:endParaRPr lang="en-US" dirty="0"/>
           </a:p>
@@ -1120,7 +1126,7 @@
           <a:p>
             <a:fld id="{FE4418B5-0BD3-4110-BB71-BC5AE5851840}" type="datetime1">
               <a:rPr lang="en-US" smtClean="0"/>
-              <a:t>4/22/2017</a:t>
+              <a:t>4/23/2017</a:t>
             </a:fld>
             <a:endParaRPr lang="en-US" dirty="0"/>
           </a:p>
@@ -1388,7 +1394,7 @@
           <a:p>
             <a:fld id="{9A01B044-846D-4A4E-BF37-C900320338E3}" type="datetime1">
               <a:rPr lang="en-US" smtClean="0"/>
-              <a:t>4/22/2017</a:t>
+              <a:t>4/23/2017</a:t>
             </a:fld>
             <a:endParaRPr lang="en-US" dirty="0"/>
           </a:p>
@@ -1724,7 +1730,7 @@
           <a:p>
             <a:fld id="{F0124DC8-4D5B-4273-BB9A-C5218FF266FA}" type="datetime1">
               <a:rPr lang="en-US" smtClean="0"/>
-              <a:t>4/22/2017</a:t>
+              <a:t>4/23/2017</a:t>
             </a:fld>
             <a:endParaRPr lang="en-US" dirty="0"/>
           </a:p>
@@ -2342,7 +2348,7 @@
           <a:p>
             <a:fld id="{FE585A3A-3D60-4EA6-BD16-A9FEEF964A1B}" type="datetime1">
               <a:rPr lang="en-US" smtClean="0"/>
-              <a:t>4/22/2017</a:t>
+              <a:t>4/23/2017</a:t>
             </a:fld>
             <a:endParaRPr lang="en-US" dirty="0"/>
           </a:p>
@@ -3197,7 +3203,7 @@
           <a:p>
             <a:fld id="{3A41D2EC-AC8E-4DAD-8064-BEDC29A4D4A2}" type="datetime1">
               <a:rPr lang="en-US" smtClean="0"/>
-              <a:t>4/22/2017</a:t>
+              <a:t>4/23/2017</a:t>
             </a:fld>
             <a:endParaRPr lang="en-US" dirty="0"/>
           </a:p>
@@ -3362,7 +3368,7 @@
           <a:p>
             <a:fld id="{0EA20455-816E-4BDC-86C5-A5BA40D834B5}" type="datetime1">
               <a:rPr lang="en-US" smtClean="0"/>
-              <a:t>4/22/2017</a:t>
+              <a:t>4/23/2017</a:t>
             </a:fld>
             <a:endParaRPr lang="en-US" dirty="0"/>
           </a:p>
@@ -3537,7 +3543,7 @@
           <a:p>
             <a:fld id="{2D3C4BD4-B8F8-46D5-BED8-FC7045DC4C75}" type="datetime1">
               <a:rPr lang="en-US" smtClean="0"/>
-              <a:t>4/22/2017</a:t>
+              <a:t>4/23/2017</a:t>
             </a:fld>
             <a:endParaRPr lang="en-US" dirty="0"/>
           </a:p>
@@ -3702,7 +3708,7 @@
           <a:p>
             <a:fld id="{3444A22B-33F2-4BD7-BFFA-2685883C0F8D}" type="datetime1">
               <a:rPr lang="en-US" smtClean="0"/>
-              <a:t>4/22/2017</a:t>
+              <a:t>4/23/2017</a:t>
             </a:fld>
             <a:endParaRPr lang="en-US" dirty="0"/>
           </a:p>
@@ -3944,7 +3950,7 @@
           <a:p>
             <a:fld id="{7C59A474-B3C7-4CFE-A4DE-69844D44AA14}" type="datetime1">
               <a:rPr lang="en-US" smtClean="0"/>
-              <a:t>4/22/2017</a:t>
+              <a:t>4/23/2017</a:t>
             </a:fld>
             <a:endParaRPr lang="en-US" dirty="0"/>
           </a:p>
@@ -4231,7 +4237,7 @@
           <a:p>
             <a:fld id="{224165E1-F10C-45E6-A9FD-A9D520001FE4}" type="datetime1">
               <a:rPr lang="en-US" smtClean="0"/>
-              <a:t>4/22/2017</a:t>
+              <a:t>4/23/2017</a:t>
             </a:fld>
             <a:endParaRPr lang="en-US" dirty="0"/>
           </a:p>
@@ -4670,7 +4676,7 @@
           <a:p>
             <a:fld id="{1E27BA6A-792A-43D7-B2E7-04DA9870A7B9}" type="datetime1">
               <a:rPr lang="en-US" smtClean="0"/>
-              <a:t>4/22/2017</a:t>
+              <a:t>4/23/2017</a:t>
             </a:fld>
             <a:endParaRPr lang="en-US" dirty="0"/>
           </a:p>
@@ -4783,7 +4789,7 @@
           <a:p>
             <a:fld id="{1C7EAFCB-DA4E-4C5B-A5C9-04B2C8D2E360}" type="datetime1">
               <a:rPr lang="en-US" smtClean="0"/>
-              <a:t>4/22/2017</a:t>
+              <a:t>4/23/2017</a:t>
             </a:fld>
             <a:endParaRPr lang="en-US" dirty="0"/>
           </a:p>
@@ -4873,7 +4879,7 @@
           <a:p>
             <a:fld id="{24AFA4F0-8271-44C7-99C9-F91762944399}" type="datetime1">
               <a:rPr lang="en-US" smtClean="0"/>
-              <a:t>4/22/2017</a:t>
+              <a:t>4/23/2017</a:t>
             </a:fld>
             <a:endParaRPr lang="en-US" dirty="0"/>
           </a:p>
@@ -5147,7 +5153,7 @@
           <a:p>
             <a:fld id="{50B05437-E242-4769-A68C-F6D2575C8989}" type="datetime1">
               <a:rPr lang="en-US" smtClean="0"/>
-              <a:t>4/22/2017</a:t>
+              <a:t>4/23/2017</a:t>
             </a:fld>
             <a:endParaRPr lang="en-US" dirty="0"/>
           </a:p>
@@ -5417,7 +5423,7 @@
           <a:p>
             <a:fld id="{5F1958FD-AA9F-4D1B-9FC1-8FE3CA1EF4C1}" type="datetime1">
               <a:rPr lang="en-US" smtClean="0"/>
-              <a:t>4/22/2017</a:t>
+              <a:t>4/23/2017</a:t>
             </a:fld>
             <a:endParaRPr lang="en-US" dirty="0"/>
           </a:p>
@@ -5841,7 +5847,7 @@
           <a:p>
             <a:fld id="{4C7B7F48-5858-4462-8EC3-764D36C44155}" type="datetime1">
               <a:rPr lang="en-US" smtClean="0"/>
-              <a:t>4/22/2017</a:t>
+              <a:t>4/23/2017</a:t>
             </a:fld>
             <a:endParaRPr lang="en-US" dirty="0"/>
           </a:p>
@@ -6377,7 +6383,7 @@
         </p:nvSpPr>
         <p:spPr>
           <a:xfrm>
-            <a:off x="1433146" y="1784838"/>
+            <a:off x="1488550" y="1441938"/>
             <a:ext cx="8863990" cy="1251666"/>
           </a:xfrm>
         </p:spPr>
@@ -6386,8 +6392,8 @@
           <a:lstStyle/>
           <a:p>
             <a:r>
-              <a:rPr lang="fr-FR" dirty="0"/>
-              <a:t>Projet PIA</a:t>
+              <a:rPr lang="fr-FR" sz="4800" dirty="0"/>
+              <a:t>Projet Informatique Appliqué</a:t>
             </a:r>
           </a:p>
         </p:txBody>
@@ -6434,6 +6440,35 @@
               <a:t>1</a:t>
             </a:fld>
             <a:endParaRPr lang="en-US" dirty="0"/>
+          </a:p>
+        </p:txBody>
+      </p:sp>
+      <p:sp>
+        <p:nvSpPr>
+          <p:cNvPr id="5" name="ZoneTexte 4"/>
+          <p:cNvSpPr txBox="1"/>
+          <p:nvPr/>
+        </p:nvSpPr>
+        <p:spPr>
+          <a:xfrm>
+            <a:off x="1523322" y="2763074"/>
+            <a:ext cx="8088923" cy="369332"/>
+          </a:xfrm>
+          <a:prstGeom prst="rect">
+            <a:avLst/>
+          </a:prstGeom>
+          <a:noFill/>
+        </p:spPr>
+        <p:txBody>
+          <a:bodyPr wrap="square" rtlCol="0">
+            <a:spAutoFit/>
+          </a:bodyPr>
+          <a:lstStyle/>
+          <a:p>
+            <a:r>
+              <a:rPr lang="fr-FR" dirty="0"/>
+              <a:t>LOIGNON Lucas – DEUTSCH Remi – VINCENT Pierre</a:t>
+            </a:r>
           </a:p>
         </p:txBody>
       </p:sp>
@@ -8008,6 +8043,285 @@
           </a:p>
         </p:txBody>
       </p:sp>
+      <p:graphicFrame>
+        <p:nvGraphicFramePr>
+          <p:cNvPr id="6" name="Tableau 5"/>
+          <p:cNvGraphicFramePr>
+            <a:graphicFrameLocks noGrp="1"/>
+          </p:cNvGraphicFramePr>
+          <p:nvPr>
+            <p:extLst>
+              <p:ext uri="{D42A27DB-BD31-4B8C-83A1-F6EECF244321}">
+                <p14:modId xmlns:p14="http://schemas.microsoft.com/office/powerpoint/2010/main" val="3657243776"/>
+              </p:ext>
+            </p:extLst>
+          </p:nvPr>
+        </p:nvGraphicFramePr>
+        <p:xfrm>
+          <a:off x="501068" y="1674856"/>
+          <a:ext cx="10689670" cy="453293"/>
+        </p:xfrm>
+        <a:graphic>
+          <a:graphicData uri="http://schemas.openxmlformats.org/drawingml/2006/table">
+            <a:tbl>
+              <a:tblPr/>
+              <a:tblGrid>
+                <a:gridCol w="515786">
+                  <a:extLst>
+                    <a:ext uri="{9D8B030D-6E8A-4147-A177-3AD203B41FA5}">
+                      <a16:colId xmlns:a16="http://schemas.microsoft.com/office/drawing/2014/main" val="2759306088"/>
+                    </a:ext>
+                  </a:extLst>
+                </a:gridCol>
+                <a:gridCol w="2166302">
+                  <a:extLst>
+                    <a:ext uri="{9D8B030D-6E8A-4147-A177-3AD203B41FA5}">
+                      <a16:colId xmlns:a16="http://schemas.microsoft.com/office/drawing/2014/main" val="1514773934"/>
+                    </a:ext>
+                  </a:extLst>
+                </a:gridCol>
+                <a:gridCol w="3720109">
+                  <a:extLst>
+                    <a:ext uri="{9D8B030D-6E8A-4147-A177-3AD203B41FA5}">
+                      <a16:colId xmlns:a16="http://schemas.microsoft.com/office/drawing/2014/main" val="1494407675"/>
+                    </a:ext>
+                  </a:extLst>
+                </a:gridCol>
+                <a:gridCol w="1360387">
+                  <a:extLst>
+                    <a:ext uri="{9D8B030D-6E8A-4147-A177-3AD203B41FA5}">
+                      <a16:colId xmlns:a16="http://schemas.microsoft.com/office/drawing/2014/main" val="2444410491"/>
+                    </a:ext>
+                  </a:extLst>
+                </a:gridCol>
+                <a:gridCol w="1257228">
+                  <a:extLst>
+                    <a:ext uri="{9D8B030D-6E8A-4147-A177-3AD203B41FA5}">
+                      <a16:colId xmlns:a16="http://schemas.microsoft.com/office/drawing/2014/main" val="307590162"/>
+                    </a:ext>
+                  </a:extLst>
+                </a:gridCol>
+                <a:gridCol w="1669858">
+                  <a:extLst>
+                    <a:ext uri="{9D8B030D-6E8A-4147-A177-3AD203B41FA5}">
+                      <a16:colId xmlns:a16="http://schemas.microsoft.com/office/drawing/2014/main" val="592979842"/>
+                    </a:ext>
+                  </a:extLst>
+                </a:gridCol>
+              </a:tblGrid>
+              <a:tr h="453293">
+                <a:tc>
+                  <a:txBody>
+                    <a:bodyPr/>
+                    <a:lstStyle/>
+                    <a:p>
+                      <a:pPr algn="l"/>
+                      <a:r>
+                        <a:rPr lang="fr-FR" sz="1300" dirty="0">
+                          <a:effectLst/>
+                          <a:latin typeface="Calibri" panose="020F0502020204030204" pitchFamily="34" charset="0"/>
+                        </a:rPr>
+                        <a:t>ID</a:t>
+                      </a:r>
+                    </a:p>
+                  </a:txBody>
+                  <a:tcPr marL="64756" marR="64756" marT="32378" marB="32378" anchor="b">
+                    <a:lnL>
+                      <a:noFill/>
+                    </a:lnL>
+                    <a:lnR>
+                      <a:noFill/>
+                    </a:lnR>
+                    <a:lnT>
+                      <a:noFill/>
+                    </a:lnT>
+                    <a:lnB>
+                      <a:noFill/>
+                    </a:lnB>
+                    <a:solidFill>
+                      <a:srgbClr val="3399FF"/>
+                    </a:solidFill>
+                  </a:tcPr>
+                </a:tc>
+                <a:tc>
+                  <a:txBody>
+                    <a:bodyPr/>
+                    <a:lstStyle/>
+                    <a:p>
+                      <a:pPr algn="l"/>
+                      <a:r>
+                        <a:rPr lang="fr-FR" sz="1300">
+                          <a:effectLst/>
+                          <a:latin typeface="Calibri" panose="020F0502020204030204" pitchFamily="34" charset="0"/>
+                        </a:rPr>
+                        <a:t>Nom</a:t>
+                      </a:r>
+                    </a:p>
+                  </a:txBody>
+                  <a:tcPr marL="64756" marR="64756" marT="32378" marB="32378" anchor="b">
+                    <a:lnL>
+                      <a:noFill/>
+                    </a:lnL>
+                    <a:lnR>
+                      <a:noFill/>
+                    </a:lnR>
+                    <a:lnT>
+                      <a:noFill/>
+                    </a:lnT>
+                    <a:lnB>
+                      <a:noFill/>
+                    </a:lnB>
+                    <a:solidFill>
+                      <a:srgbClr val="3399FF"/>
+                    </a:solidFill>
+                  </a:tcPr>
+                </a:tc>
+                <a:tc>
+                  <a:txBody>
+                    <a:bodyPr/>
+                    <a:lstStyle/>
+                    <a:p>
+                      <a:pPr algn="l"/>
+                      <a:r>
+                        <a:rPr lang="fr-FR" sz="1300">
+                          <a:effectLst/>
+                          <a:latin typeface="Calibri" panose="020F0502020204030204" pitchFamily="34" charset="0"/>
+                        </a:rPr>
+                        <a:t>Description</a:t>
+                      </a:r>
+                    </a:p>
+                  </a:txBody>
+                  <a:tcPr marL="64756" marR="64756" marT="32378" marB="32378" anchor="b">
+                    <a:lnL>
+                      <a:noFill/>
+                    </a:lnL>
+                    <a:lnR>
+                      <a:noFill/>
+                    </a:lnR>
+                    <a:lnT>
+                      <a:noFill/>
+                    </a:lnT>
+                    <a:lnB>
+                      <a:noFill/>
+                    </a:lnB>
+                    <a:solidFill>
+                      <a:srgbClr val="3399FF"/>
+                    </a:solidFill>
+                  </a:tcPr>
+                </a:tc>
+                <a:tc>
+                  <a:txBody>
+                    <a:bodyPr/>
+                    <a:lstStyle/>
+                    <a:p>
+                      <a:pPr algn="l"/>
+                      <a:r>
+                        <a:rPr lang="fr-FR" sz="1300">
+                          <a:effectLst/>
+                          <a:latin typeface="Calibri" panose="020F0502020204030204" pitchFamily="34" charset="0"/>
+                        </a:rPr>
+                        <a:t>Importance</a:t>
+                      </a:r>
+                    </a:p>
+                  </a:txBody>
+                  <a:tcPr marL="64756" marR="64756" marT="32378" marB="32378" anchor="b">
+                    <a:lnL>
+                      <a:noFill/>
+                    </a:lnL>
+                    <a:lnR>
+                      <a:noFill/>
+                    </a:lnR>
+                    <a:lnT>
+                      <a:noFill/>
+                    </a:lnT>
+                    <a:lnB>
+                      <a:noFill/>
+                    </a:lnB>
+                    <a:solidFill>
+                      <a:srgbClr val="3399FF"/>
+                    </a:solidFill>
+                  </a:tcPr>
+                </a:tc>
+                <a:tc>
+                  <a:txBody>
+                    <a:bodyPr/>
+                    <a:lstStyle/>
+                    <a:p>
+                      <a:pPr algn="l"/>
+                      <a:r>
+                        <a:rPr lang="fr-FR" sz="1300">
+                          <a:effectLst/>
+                          <a:latin typeface="Calibri" panose="020F0502020204030204" pitchFamily="34" charset="0"/>
+                        </a:rPr>
+                        <a:t>Temps estimé (j)</a:t>
+                      </a:r>
+                    </a:p>
+                  </a:txBody>
+                  <a:tcPr marL="64756" marR="64756" marT="32378" marB="32378" anchor="b">
+                    <a:lnL>
+                      <a:noFill/>
+                    </a:lnL>
+                    <a:lnR>
+                      <a:noFill/>
+                    </a:lnR>
+                    <a:lnT>
+                      <a:noFill/>
+                    </a:lnT>
+                    <a:lnB>
+                      <a:noFill/>
+                    </a:lnB>
+                    <a:solidFill>
+                      <a:srgbClr val="3399FF"/>
+                    </a:solidFill>
+                  </a:tcPr>
+                </a:tc>
+                <a:tc>
+                  <a:txBody>
+                    <a:bodyPr/>
+                    <a:lstStyle/>
+                    <a:p>
+                      <a:pPr algn="l"/>
+                      <a:r>
+                        <a:rPr lang="fr-FR" sz="1300" dirty="0" err="1">
+                          <a:effectLst/>
+                          <a:latin typeface="Calibri" panose="020F0502020204030204" pitchFamily="34" charset="0"/>
+                        </a:rPr>
+                        <a:t>Demo</a:t>
+                      </a:r>
+                      <a:endParaRPr lang="fr-FR" sz="1300" dirty="0">
+                        <a:effectLst/>
+                        <a:latin typeface="Calibri" panose="020F0502020204030204" pitchFamily="34" charset="0"/>
+                      </a:endParaRPr>
+                    </a:p>
+                  </a:txBody>
+                  <a:tcPr marL="64756" marR="64756" marT="32378" marB="32378" anchor="b">
+                    <a:lnL>
+                      <a:noFill/>
+                    </a:lnL>
+                    <a:lnR>
+                      <a:noFill/>
+                    </a:lnR>
+                    <a:lnT>
+                      <a:noFill/>
+                    </a:lnT>
+                    <a:lnB>
+                      <a:noFill/>
+                    </a:lnB>
+                    <a:solidFill>
+                      <a:srgbClr val="3399FF"/>
+                    </a:solidFill>
+                  </a:tcPr>
+                </a:tc>
+                <a:extLst>
+                  <a:ext uri="{0D108BD9-81ED-4DB2-BD59-A6C34878D82A}">
+                    <a16:rowId xmlns:a16="http://schemas.microsoft.com/office/drawing/2014/main" val="919953549"/>
+                  </a:ext>
+                </a:extLst>
+              </a:tr>
+            </a:tbl>
+          </a:graphicData>
+        </a:graphic>
+      </p:graphicFrame>
     </p:spTree>
     <p:extLst>
       <p:ext uri="{BB962C8B-B14F-4D97-AF65-F5344CB8AC3E}">
@@ -8110,13 +8424,13 @@
           <p:nvPr>
             <p:extLst>
               <p:ext uri="{D42A27DB-BD31-4B8C-83A1-F6EECF244321}">
-                <p14:modId xmlns:p14="http://schemas.microsoft.com/office/powerpoint/2010/main" val="1602619707"/>
+                <p14:modId xmlns:p14="http://schemas.microsoft.com/office/powerpoint/2010/main" val="4044178748"/>
               </p:ext>
             </p:extLst>
           </p:nvPr>
         </p:nvGraphicFramePr>
         <p:xfrm>
-          <a:off x="690074" y="1674856"/>
+          <a:off x="690074" y="2017966"/>
           <a:ext cx="10388233" cy="4587192"/>
         </p:xfrm>
         <a:graphic>
@@ -10057,6 +10371,285 @@
           </a:p>
         </p:txBody>
       </p:sp>
+      <p:graphicFrame>
+        <p:nvGraphicFramePr>
+          <p:cNvPr id="6" name="Tableau 5"/>
+          <p:cNvGraphicFramePr>
+            <a:graphicFrameLocks noGrp="1"/>
+          </p:cNvGraphicFramePr>
+          <p:nvPr>
+            <p:extLst>
+              <p:ext uri="{D42A27DB-BD31-4B8C-83A1-F6EECF244321}">
+                <p14:modId xmlns:p14="http://schemas.microsoft.com/office/powerpoint/2010/main" val="1307399202"/>
+              </p:ext>
+            </p:extLst>
+          </p:nvPr>
+        </p:nvGraphicFramePr>
+        <p:xfrm>
+          <a:off x="690073" y="1304766"/>
+          <a:ext cx="10388234" cy="460996"/>
+        </p:xfrm>
+        <a:graphic>
+          <a:graphicData uri="http://schemas.openxmlformats.org/drawingml/2006/table">
+            <a:tbl>
+              <a:tblPr/>
+              <a:tblGrid>
+                <a:gridCol w="501242">
+                  <a:extLst>
+                    <a:ext uri="{9D8B030D-6E8A-4147-A177-3AD203B41FA5}">
+                      <a16:colId xmlns:a16="http://schemas.microsoft.com/office/drawing/2014/main" val="1664055957"/>
+                    </a:ext>
+                  </a:extLst>
+                </a:gridCol>
+                <a:gridCol w="2105215">
+                  <a:extLst>
+                    <a:ext uri="{9D8B030D-6E8A-4147-A177-3AD203B41FA5}">
+                      <a16:colId xmlns:a16="http://schemas.microsoft.com/office/drawing/2014/main" val="1116022359"/>
+                    </a:ext>
+                  </a:extLst>
+                </a:gridCol>
+                <a:gridCol w="3615206">
+                  <a:extLst>
+                    <a:ext uri="{9D8B030D-6E8A-4147-A177-3AD203B41FA5}">
+                      <a16:colId xmlns:a16="http://schemas.microsoft.com/office/drawing/2014/main" val="53618304"/>
+                    </a:ext>
+                  </a:extLst>
+                </a:gridCol>
+                <a:gridCol w="1322025">
+                  <a:extLst>
+                    <a:ext uri="{9D8B030D-6E8A-4147-A177-3AD203B41FA5}">
+                      <a16:colId xmlns:a16="http://schemas.microsoft.com/office/drawing/2014/main" val="2800943402"/>
+                    </a:ext>
+                  </a:extLst>
+                </a:gridCol>
+                <a:gridCol w="1221776">
+                  <a:extLst>
+                    <a:ext uri="{9D8B030D-6E8A-4147-A177-3AD203B41FA5}">
+                      <a16:colId xmlns:a16="http://schemas.microsoft.com/office/drawing/2014/main" val="4014344044"/>
+                    </a:ext>
+                  </a:extLst>
+                </a:gridCol>
+                <a:gridCol w="1622770">
+                  <a:extLst>
+                    <a:ext uri="{9D8B030D-6E8A-4147-A177-3AD203B41FA5}">
+                      <a16:colId xmlns:a16="http://schemas.microsoft.com/office/drawing/2014/main" val="1931601023"/>
+                    </a:ext>
+                  </a:extLst>
+                </a:gridCol>
+              </a:tblGrid>
+              <a:tr h="453293">
+                <a:tc>
+                  <a:txBody>
+                    <a:bodyPr/>
+                    <a:lstStyle/>
+                    <a:p>
+                      <a:pPr algn="l"/>
+                      <a:r>
+                        <a:rPr lang="fr-FR" sz="1300">
+                          <a:effectLst/>
+                          <a:latin typeface="Calibri" panose="020F0502020204030204" pitchFamily="34" charset="0"/>
+                        </a:rPr>
+                        <a:t>ID</a:t>
+                      </a:r>
+                    </a:p>
+                  </a:txBody>
+                  <a:tcPr marL="64756" marR="64756" marT="32378" marB="32378" anchor="b">
+                    <a:lnL>
+                      <a:noFill/>
+                    </a:lnL>
+                    <a:lnR>
+                      <a:noFill/>
+                    </a:lnR>
+                    <a:lnT>
+                      <a:noFill/>
+                    </a:lnT>
+                    <a:lnB>
+                      <a:noFill/>
+                    </a:lnB>
+                    <a:solidFill>
+                      <a:srgbClr val="3399FF"/>
+                    </a:solidFill>
+                  </a:tcPr>
+                </a:tc>
+                <a:tc>
+                  <a:txBody>
+                    <a:bodyPr/>
+                    <a:lstStyle/>
+                    <a:p>
+                      <a:pPr algn="l"/>
+                      <a:r>
+                        <a:rPr lang="fr-FR" sz="1300">
+                          <a:effectLst/>
+                          <a:latin typeface="Calibri" panose="020F0502020204030204" pitchFamily="34" charset="0"/>
+                        </a:rPr>
+                        <a:t>Nom</a:t>
+                      </a:r>
+                    </a:p>
+                  </a:txBody>
+                  <a:tcPr marL="64756" marR="64756" marT="32378" marB="32378" anchor="b">
+                    <a:lnL>
+                      <a:noFill/>
+                    </a:lnL>
+                    <a:lnR>
+                      <a:noFill/>
+                    </a:lnR>
+                    <a:lnT>
+                      <a:noFill/>
+                    </a:lnT>
+                    <a:lnB>
+                      <a:noFill/>
+                    </a:lnB>
+                    <a:solidFill>
+                      <a:srgbClr val="3399FF"/>
+                    </a:solidFill>
+                  </a:tcPr>
+                </a:tc>
+                <a:tc>
+                  <a:txBody>
+                    <a:bodyPr/>
+                    <a:lstStyle/>
+                    <a:p>
+                      <a:pPr algn="l"/>
+                      <a:r>
+                        <a:rPr lang="fr-FR" sz="1300">
+                          <a:effectLst/>
+                          <a:latin typeface="Calibri" panose="020F0502020204030204" pitchFamily="34" charset="0"/>
+                        </a:rPr>
+                        <a:t>Description</a:t>
+                      </a:r>
+                    </a:p>
+                  </a:txBody>
+                  <a:tcPr marL="64756" marR="64756" marT="32378" marB="32378" anchor="b">
+                    <a:lnL>
+                      <a:noFill/>
+                    </a:lnL>
+                    <a:lnR>
+                      <a:noFill/>
+                    </a:lnR>
+                    <a:lnT>
+                      <a:noFill/>
+                    </a:lnT>
+                    <a:lnB>
+                      <a:noFill/>
+                    </a:lnB>
+                    <a:solidFill>
+                      <a:srgbClr val="3399FF"/>
+                    </a:solidFill>
+                  </a:tcPr>
+                </a:tc>
+                <a:tc>
+                  <a:txBody>
+                    <a:bodyPr/>
+                    <a:lstStyle/>
+                    <a:p>
+                      <a:pPr algn="l"/>
+                      <a:r>
+                        <a:rPr lang="fr-FR" sz="1300">
+                          <a:effectLst/>
+                          <a:latin typeface="Calibri" panose="020F0502020204030204" pitchFamily="34" charset="0"/>
+                        </a:rPr>
+                        <a:t>Importance</a:t>
+                      </a:r>
+                    </a:p>
+                  </a:txBody>
+                  <a:tcPr marL="64756" marR="64756" marT="32378" marB="32378" anchor="b">
+                    <a:lnL>
+                      <a:noFill/>
+                    </a:lnL>
+                    <a:lnR>
+                      <a:noFill/>
+                    </a:lnR>
+                    <a:lnT>
+                      <a:noFill/>
+                    </a:lnT>
+                    <a:lnB>
+                      <a:noFill/>
+                    </a:lnB>
+                    <a:solidFill>
+                      <a:srgbClr val="3399FF"/>
+                    </a:solidFill>
+                  </a:tcPr>
+                </a:tc>
+                <a:tc>
+                  <a:txBody>
+                    <a:bodyPr/>
+                    <a:lstStyle/>
+                    <a:p>
+                      <a:pPr algn="l"/>
+                      <a:r>
+                        <a:rPr lang="fr-FR" sz="1300">
+                          <a:effectLst/>
+                          <a:latin typeface="Calibri" panose="020F0502020204030204" pitchFamily="34" charset="0"/>
+                        </a:rPr>
+                        <a:t>Temps estimé (j)</a:t>
+                      </a:r>
+                    </a:p>
+                  </a:txBody>
+                  <a:tcPr marL="64756" marR="64756" marT="32378" marB="32378" anchor="b">
+                    <a:lnL>
+                      <a:noFill/>
+                    </a:lnL>
+                    <a:lnR>
+                      <a:noFill/>
+                    </a:lnR>
+                    <a:lnT>
+                      <a:noFill/>
+                    </a:lnT>
+                    <a:lnB>
+                      <a:noFill/>
+                    </a:lnB>
+                    <a:solidFill>
+                      <a:srgbClr val="3399FF"/>
+                    </a:solidFill>
+                  </a:tcPr>
+                </a:tc>
+                <a:tc>
+                  <a:txBody>
+                    <a:bodyPr/>
+                    <a:lstStyle/>
+                    <a:p>
+                      <a:pPr algn="l"/>
+                      <a:r>
+                        <a:rPr lang="fr-FR" sz="1300" dirty="0" err="1">
+                          <a:effectLst/>
+                          <a:latin typeface="Calibri" panose="020F0502020204030204" pitchFamily="34" charset="0"/>
+                        </a:rPr>
+                        <a:t>Demo</a:t>
+                      </a:r>
+                      <a:endParaRPr lang="fr-FR" sz="1300" dirty="0">
+                        <a:effectLst/>
+                        <a:latin typeface="Calibri" panose="020F0502020204030204" pitchFamily="34" charset="0"/>
+                      </a:endParaRPr>
+                    </a:p>
+                  </a:txBody>
+                  <a:tcPr marL="64756" marR="64756" marT="32378" marB="32378" anchor="b">
+                    <a:lnL>
+                      <a:noFill/>
+                    </a:lnL>
+                    <a:lnR>
+                      <a:noFill/>
+                    </a:lnR>
+                    <a:lnT>
+                      <a:noFill/>
+                    </a:lnT>
+                    <a:lnB>
+                      <a:noFill/>
+                    </a:lnB>
+                    <a:solidFill>
+                      <a:srgbClr val="3399FF"/>
+                    </a:solidFill>
+                  </a:tcPr>
+                </a:tc>
+                <a:extLst>
+                  <a:ext uri="{0D108BD9-81ED-4DB2-BD59-A6C34878D82A}">
+                    <a16:rowId xmlns:a16="http://schemas.microsoft.com/office/drawing/2014/main" val="1752413288"/>
+                  </a:ext>
+                </a:extLst>
+              </a:tr>
+            </a:tbl>
+          </a:graphicData>
+        </a:graphic>
+      </p:graphicFrame>
     </p:spTree>
     <p:extLst>
       <p:ext uri="{BB962C8B-B14F-4D97-AF65-F5344CB8AC3E}">
@@ -10159,13 +10752,13 @@
           <p:nvPr>
             <p:extLst>
               <p:ext uri="{D42A27DB-BD31-4B8C-83A1-F6EECF244321}">
-                <p14:modId xmlns:p14="http://schemas.microsoft.com/office/powerpoint/2010/main" val="1524931404"/>
+                <p14:modId xmlns:p14="http://schemas.microsoft.com/office/powerpoint/2010/main" val="806583835"/>
               </p:ext>
             </p:extLst>
           </p:nvPr>
         </p:nvGraphicFramePr>
         <p:xfrm>
-          <a:off x="433748" y="1397977"/>
+          <a:off x="873364" y="1674856"/>
           <a:ext cx="9632494" cy="4964380"/>
         </p:xfrm>
         <a:graphic>
@@ -10498,11 +11091,25 @@
                     <a:p>
                       <a:pPr algn="l"/>
                       <a:r>
-                        <a:rPr lang="fr-FR" sz="1400">
+                        <a:rPr lang="fr-FR" sz="1400" dirty="0">
                           <a:effectLst/>
                           <a:latin typeface="Calibri" panose="020F0502020204030204" pitchFamily="34" charset="0"/>
                         </a:rPr>
-                        <a:t>Page jsp boutique</a:t>
+                        <a:t>Page </a:t>
+                      </a:r>
+                      <a:r>
+                        <a:rPr lang="fr-FR" sz="1400" dirty="0" err="1">
+                          <a:effectLst/>
+                          <a:latin typeface="Calibri" panose="020F0502020204030204" pitchFamily="34" charset="0"/>
+                        </a:rPr>
+                        <a:t>jsp</a:t>
+                      </a:r>
+                      <a:r>
+                        <a:rPr lang="fr-FR" sz="1400" dirty="0">
+                          <a:effectLst/>
+                          <a:latin typeface="Calibri" panose="020F0502020204030204" pitchFamily="34" charset="0"/>
+                        </a:rPr>
+                        <a:t> boutique</a:t>
                       </a:r>
                     </a:p>
                   </a:txBody>
@@ -12305,6 +12912,285 @@
           </a:p>
         </p:txBody>
       </p:sp>
+      <p:graphicFrame>
+        <p:nvGraphicFramePr>
+          <p:cNvPr id="4" name="Tableau 3"/>
+          <p:cNvGraphicFramePr>
+            <a:graphicFrameLocks noGrp="1"/>
+          </p:cNvGraphicFramePr>
+          <p:nvPr>
+            <p:extLst>
+              <p:ext uri="{D42A27DB-BD31-4B8C-83A1-F6EECF244321}">
+                <p14:modId xmlns:p14="http://schemas.microsoft.com/office/powerpoint/2010/main" val="869311437"/>
+              </p:ext>
+            </p:extLst>
+          </p:nvPr>
+        </p:nvGraphicFramePr>
+        <p:xfrm>
+          <a:off x="873364" y="1063416"/>
+          <a:ext cx="9632493" cy="460996"/>
+        </p:xfrm>
+        <a:graphic>
+          <a:graphicData uri="http://schemas.openxmlformats.org/drawingml/2006/table">
+            <a:tbl>
+              <a:tblPr/>
+              <a:tblGrid>
+                <a:gridCol w="464776">
+                  <a:extLst>
+                    <a:ext uri="{9D8B030D-6E8A-4147-A177-3AD203B41FA5}">
+                      <a16:colId xmlns:a16="http://schemas.microsoft.com/office/drawing/2014/main" val="1287797561"/>
+                    </a:ext>
+                  </a:extLst>
+                </a:gridCol>
+                <a:gridCol w="1952062">
+                  <a:extLst>
+                    <a:ext uri="{9D8B030D-6E8A-4147-A177-3AD203B41FA5}">
+                      <a16:colId xmlns:a16="http://schemas.microsoft.com/office/drawing/2014/main" val="1312872463"/>
+                    </a:ext>
+                  </a:extLst>
+                </a:gridCol>
+                <a:gridCol w="3352201">
+                  <a:extLst>
+                    <a:ext uri="{9D8B030D-6E8A-4147-A177-3AD203B41FA5}">
+                      <a16:colId xmlns:a16="http://schemas.microsoft.com/office/drawing/2014/main" val="1375220136"/>
+                    </a:ext>
+                  </a:extLst>
+                </a:gridCol>
+                <a:gridCol w="1225848">
+                  <a:extLst>
+                    <a:ext uri="{9D8B030D-6E8A-4147-A177-3AD203B41FA5}">
+                      <a16:colId xmlns:a16="http://schemas.microsoft.com/office/drawing/2014/main" val="74970621"/>
+                    </a:ext>
+                  </a:extLst>
+                </a:gridCol>
+                <a:gridCol w="1132892">
+                  <a:extLst>
+                    <a:ext uri="{9D8B030D-6E8A-4147-A177-3AD203B41FA5}">
+                      <a16:colId xmlns:a16="http://schemas.microsoft.com/office/drawing/2014/main" val="1226448786"/>
+                    </a:ext>
+                  </a:extLst>
+                </a:gridCol>
+                <a:gridCol w="1504714">
+                  <a:extLst>
+                    <a:ext uri="{9D8B030D-6E8A-4147-A177-3AD203B41FA5}">
+                      <a16:colId xmlns:a16="http://schemas.microsoft.com/office/drawing/2014/main" val="2145274793"/>
+                    </a:ext>
+                  </a:extLst>
+                </a:gridCol>
+              </a:tblGrid>
+              <a:tr h="453293">
+                <a:tc>
+                  <a:txBody>
+                    <a:bodyPr/>
+                    <a:lstStyle/>
+                    <a:p>
+                      <a:pPr algn="l"/>
+                      <a:r>
+                        <a:rPr lang="fr-FR" sz="1300">
+                          <a:effectLst/>
+                          <a:latin typeface="Calibri" panose="020F0502020204030204" pitchFamily="34" charset="0"/>
+                        </a:rPr>
+                        <a:t>ID</a:t>
+                      </a:r>
+                    </a:p>
+                  </a:txBody>
+                  <a:tcPr marL="64756" marR="64756" marT="32378" marB="32378" anchor="b">
+                    <a:lnL>
+                      <a:noFill/>
+                    </a:lnL>
+                    <a:lnR>
+                      <a:noFill/>
+                    </a:lnR>
+                    <a:lnT>
+                      <a:noFill/>
+                    </a:lnT>
+                    <a:lnB>
+                      <a:noFill/>
+                    </a:lnB>
+                    <a:solidFill>
+                      <a:srgbClr val="3399FF"/>
+                    </a:solidFill>
+                  </a:tcPr>
+                </a:tc>
+                <a:tc>
+                  <a:txBody>
+                    <a:bodyPr/>
+                    <a:lstStyle/>
+                    <a:p>
+                      <a:pPr algn="l"/>
+                      <a:r>
+                        <a:rPr lang="fr-FR" sz="1300">
+                          <a:effectLst/>
+                          <a:latin typeface="Calibri" panose="020F0502020204030204" pitchFamily="34" charset="0"/>
+                        </a:rPr>
+                        <a:t>Nom</a:t>
+                      </a:r>
+                    </a:p>
+                  </a:txBody>
+                  <a:tcPr marL="64756" marR="64756" marT="32378" marB="32378" anchor="b">
+                    <a:lnL>
+                      <a:noFill/>
+                    </a:lnL>
+                    <a:lnR>
+                      <a:noFill/>
+                    </a:lnR>
+                    <a:lnT>
+                      <a:noFill/>
+                    </a:lnT>
+                    <a:lnB>
+                      <a:noFill/>
+                    </a:lnB>
+                    <a:solidFill>
+                      <a:srgbClr val="3399FF"/>
+                    </a:solidFill>
+                  </a:tcPr>
+                </a:tc>
+                <a:tc>
+                  <a:txBody>
+                    <a:bodyPr/>
+                    <a:lstStyle/>
+                    <a:p>
+                      <a:pPr algn="l"/>
+                      <a:r>
+                        <a:rPr lang="fr-FR" sz="1300">
+                          <a:effectLst/>
+                          <a:latin typeface="Calibri" panose="020F0502020204030204" pitchFamily="34" charset="0"/>
+                        </a:rPr>
+                        <a:t>Description</a:t>
+                      </a:r>
+                    </a:p>
+                  </a:txBody>
+                  <a:tcPr marL="64756" marR="64756" marT="32378" marB="32378" anchor="b">
+                    <a:lnL>
+                      <a:noFill/>
+                    </a:lnL>
+                    <a:lnR>
+                      <a:noFill/>
+                    </a:lnR>
+                    <a:lnT>
+                      <a:noFill/>
+                    </a:lnT>
+                    <a:lnB>
+                      <a:noFill/>
+                    </a:lnB>
+                    <a:solidFill>
+                      <a:srgbClr val="3399FF"/>
+                    </a:solidFill>
+                  </a:tcPr>
+                </a:tc>
+                <a:tc>
+                  <a:txBody>
+                    <a:bodyPr/>
+                    <a:lstStyle/>
+                    <a:p>
+                      <a:pPr algn="l"/>
+                      <a:r>
+                        <a:rPr lang="fr-FR" sz="1300">
+                          <a:effectLst/>
+                          <a:latin typeface="Calibri" panose="020F0502020204030204" pitchFamily="34" charset="0"/>
+                        </a:rPr>
+                        <a:t>Importance</a:t>
+                      </a:r>
+                    </a:p>
+                  </a:txBody>
+                  <a:tcPr marL="64756" marR="64756" marT="32378" marB="32378" anchor="b">
+                    <a:lnL>
+                      <a:noFill/>
+                    </a:lnL>
+                    <a:lnR>
+                      <a:noFill/>
+                    </a:lnR>
+                    <a:lnT>
+                      <a:noFill/>
+                    </a:lnT>
+                    <a:lnB>
+                      <a:noFill/>
+                    </a:lnB>
+                    <a:solidFill>
+                      <a:srgbClr val="3399FF"/>
+                    </a:solidFill>
+                  </a:tcPr>
+                </a:tc>
+                <a:tc>
+                  <a:txBody>
+                    <a:bodyPr/>
+                    <a:lstStyle/>
+                    <a:p>
+                      <a:pPr algn="l"/>
+                      <a:r>
+                        <a:rPr lang="fr-FR" sz="1300">
+                          <a:effectLst/>
+                          <a:latin typeface="Calibri" panose="020F0502020204030204" pitchFamily="34" charset="0"/>
+                        </a:rPr>
+                        <a:t>Temps estimé (j)</a:t>
+                      </a:r>
+                    </a:p>
+                  </a:txBody>
+                  <a:tcPr marL="64756" marR="64756" marT="32378" marB="32378" anchor="b">
+                    <a:lnL>
+                      <a:noFill/>
+                    </a:lnL>
+                    <a:lnR>
+                      <a:noFill/>
+                    </a:lnR>
+                    <a:lnT>
+                      <a:noFill/>
+                    </a:lnT>
+                    <a:lnB>
+                      <a:noFill/>
+                    </a:lnB>
+                    <a:solidFill>
+                      <a:srgbClr val="3399FF"/>
+                    </a:solidFill>
+                  </a:tcPr>
+                </a:tc>
+                <a:tc>
+                  <a:txBody>
+                    <a:bodyPr/>
+                    <a:lstStyle/>
+                    <a:p>
+                      <a:pPr algn="l"/>
+                      <a:r>
+                        <a:rPr lang="fr-FR" sz="1300" dirty="0" err="1">
+                          <a:effectLst/>
+                          <a:latin typeface="Calibri" panose="020F0502020204030204" pitchFamily="34" charset="0"/>
+                        </a:rPr>
+                        <a:t>Demo</a:t>
+                      </a:r>
+                      <a:endParaRPr lang="fr-FR" sz="1300" dirty="0">
+                        <a:effectLst/>
+                        <a:latin typeface="Calibri" panose="020F0502020204030204" pitchFamily="34" charset="0"/>
+                      </a:endParaRPr>
+                    </a:p>
+                  </a:txBody>
+                  <a:tcPr marL="64756" marR="64756" marT="32378" marB="32378" anchor="b">
+                    <a:lnL>
+                      <a:noFill/>
+                    </a:lnL>
+                    <a:lnR>
+                      <a:noFill/>
+                    </a:lnR>
+                    <a:lnT>
+                      <a:noFill/>
+                    </a:lnT>
+                    <a:lnB>
+                      <a:noFill/>
+                    </a:lnB>
+                    <a:solidFill>
+                      <a:srgbClr val="3399FF"/>
+                    </a:solidFill>
+                  </a:tcPr>
+                </a:tc>
+                <a:extLst>
+                  <a:ext uri="{0D108BD9-81ED-4DB2-BD59-A6C34878D82A}">
+                    <a16:rowId xmlns:a16="http://schemas.microsoft.com/office/drawing/2014/main" val="1463588386"/>
+                  </a:ext>
+                </a:extLst>
+              </a:tr>
+            </a:tbl>
+          </a:graphicData>
+        </a:graphic>
+      </p:graphicFrame>
     </p:spTree>
     <p:extLst>
       <p:ext uri="{BB962C8B-B14F-4D97-AF65-F5344CB8AC3E}">
@@ -14201,6 +15087,285 @@
           </a:p>
         </p:txBody>
       </p:sp>
+      <p:graphicFrame>
+        <p:nvGraphicFramePr>
+          <p:cNvPr id="5" name="Tableau 4"/>
+          <p:cNvGraphicFramePr>
+            <a:graphicFrameLocks noGrp="1"/>
+          </p:cNvGraphicFramePr>
+          <p:nvPr>
+            <p:extLst>
+              <p:ext uri="{D42A27DB-BD31-4B8C-83A1-F6EECF244321}">
+                <p14:modId xmlns:p14="http://schemas.microsoft.com/office/powerpoint/2010/main" val="4082302600"/>
+              </p:ext>
+            </p:extLst>
+          </p:nvPr>
+        </p:nvGraphicFramePr>
+        <p:xfrm>
+          <a:off x="523020" y="1189233"/>
+          <a:ext cx="10831386" cy="453293"/>
+        </p:xfrm>
+        <a:graphic>
+          <a:graphicData uri="http://schemas.openxmlformats.org/drawingml/2006/table">
+            <a:tbl>
+              <a:tblPr/>
+              <a:tblGrid>
+                <a:gridCol w="522624">
+                  <a:extLst>
+                    <a:ext uri="{9D8B030D-6E8A-4147-A177-3AD203B41FA5}">
+                      <a16:colId xmlns:a16="http://schemas.microsoft.com/office/drawing/2014/main" val="1566567856"/>
+                    </a:ext>
+                  </a:extLst>
+                </a:gridCol>
+                <a:gridCol w="2195022">
+                  <a:extLst>
+                    <a:ext uri="{9D8B030D-6E8A-4147-A177-3AD203B41FA5}">
+                      <a16:colId xmlns:a16="http://schemas.microsoft.com/office/drawing/2014/main" val="2222294001"/>
+                    </a:ext>
+                  </a:extLst>
+                </a:gridCol>
+                <a:gridCol w="3769427">
+                  <a:extLst>
+                    <a:ext uri="{9D8B030D-6E8A-4147-A177-3AD203B41FA5}">
+                      <a16:colId xmlns:a16="http://schemas.microsoft.com/office/drawing/2014/main" val="884438629"/>
+                    </a:ext>
+                  </a:extLst>
+                </a:gridCol>
+                <a:gridCol w="1378421">
+                  <a:extLst>
+                    <a:ext uri="{9D8B030D-6E8A-4147-A177-3AD203B41FA5}">
+                      <a16:colId xmlns:a16="http://schemas.microsoft.com/office/drawing/2014/main" val="824206867"/>
+                    </a:ext>
+                  </a:extLst>
+                </a:gridCol>
+                <a:gridCol w="1273896">
+                  <a:extLst>
+                    <a:ext uri="{9D8B030D-6E8A-4147-A177-3AD203B41FA5}">
+                      <a16:colId xmlns:a16="http://schemas.microsoft.com/office/drawing/2014/main" val="1555803201"/>
+                    </a:ext>
+                  </a:extLst>
+                </a:gridCol>
+                <a:gridCol w="1691996">
+                  <a:extLst>
+                    <a:ext uri="{9D8B030D-6E8A-4147-A177-3AD203B41FA5}">
+                      <a16:colId xmlns:a16="http://schemas.microsoft.com/office/drawing/2014/main" val="2360795242"/>
+                    </a:ext>
+                  </a:extLst>
+                </a:gridCol>
+              </a:tblGrid>
+              <a:tr h="453293">
+                <a:tc>
+                  <a:txBody>
+                    <a:bodyPr/>
+                    <a:lstStyle/>
+                    <a:p>
+                      <a:pPr algn="l"/>
+                      <a:r>
+                        <a:rPr lang="fr-FR" sz="1300">
+                          <a:effectLst/>
+                          <a:latin typeface="Calibri" panose="020F0502020204030204" pitchFamily="34" charset="0"/>
+                        </a:rPr>
+                        <a:t>ID</a:t>
+                      </a:r>
+                    </a:p>
+                  </a:txBody>
+                  <a:tcPr marL="64756" marR="64756" marT="32378" marB="32378" anchor="b">
+                    <a:lnL>
+                      <a:noFill/>
+                    </a:lnL>
+                    <a:lnR>
+                      <a:noFill/>
+                    </a:lnR>
+                    <a:lnT>
+                      <a:noFill/>
+                    </a:lnT>
+                    <a:lnB>
+                      <a:noFill/>
+                    </a:lnB>
+                    <a:solidFill>
+                      <a:srgbClr val="3399FF"/>
+                    </a:solidFill>
+                  </a:tcPr>
+                </a:tc>
+                <a:tc>
+                  <a:txBody>
+                    <a:bodyPr/>
+                    <a:lstStyle/>
+                    <a:p>
+                      <a:pPr algn="l"/>
+                      <a:r>
+                        <a:rPr lang="fr-FR" sz="1300">
+                          <a:effectLst/>
+                          <a:latin typeface="Calibri" panose="020F0502020204030204" pitchFamily="34" charset="0"/>
+                        </a:rPr>
+                        <a:t>Nom</a:t>
+                      </a:r>
+                    </a:p>
+                  </a:txBody>
+                  <a:tcPr marL="64756" marR="64756" marT="32378" marB="32378" anchor="b">
+                    <a:lnL>
+                      <a:noFill/>
+                    </a:lnL>
+                    <a:lnR>
+                      <a:noFill/>
+                    </a:lnR>
+                    <a:lnT>
+                      <a:noFill/>
+                    </a:lnT>
+                    <a:lnB>
+                      <a:noFill/>
+                    </a:lnB>
+                    <a:solidFill>
+                      <a:srgbClr val="3399FF"/>
+                    </a:solidFill>
+                  </a:tcPr>
+                </a:tc>
+                <a:tc>
+                  <a:txBody>
+                    <a:bodyPr/>
+                    <a:lstStyle/>
+                    <a:p>
+                      <a:pPr algn="l"/>
+                      <a:r>
+                        <a:rPr lang="fr-FR" sz="1300">
+                          <a:effectLst/>
+                          <a:latin typeface="Calibri" panose="020F0502020204030204" pitchFamily="34" charset="0"/>
+                        </a:rPr>
+                        <a:t>Description</a:t>
+                      </a:r>
+                    </a:p>
+                  </a:txBody>
+                  <a:tcPr marL="64756" marR="64756" marT="32378" marB="32378" anchor="b">
+                    <a:lnL>
+                      <a:noFill/>
+                    </a:lnL>
+                    <a:lnR>
+                      <a:noFill/>
+                    </a:lnR>
+                    <a:lnT>
+                      <a:noFill/>
+                    </a:lnT>
+                    <a:lnB>
+                      <a:noFill/>
+                    </a:lnB>
+                    <a:solidFill>
+                      <a:srgbClr val="3399FF"/>
+                    </a:solidFill>
+                  </a:tcPr>
+                </a:tc>
+                <a:tc>
+                  <a:txBody>
+                    <a:bodyPr/>
+                    <a:lstStyle/>
+                    <a:p>
+                      <a:pPr algn="l"/>
+                      <a:r>
+                        <a:rPr lang="fr-FR" sz="1300">
+                          <a:effectLst/>
+                          <a:latin typeface="Calibri" panose="020F0502020204030204" pitchFamily="34" charset="0"/>
+                        </a:rPr>
+                        <a:t>Importance</a:t>
+                      </a:r>
+                    </a:p>
+                  </a:txBody>
+                  <a:tcPr marL="64756" marR="64756" marT="32378" marB="32378" anchor="b">
+                    <a:lnL>
+                      <a:noFill/>
+                    </a:lnL>
+                    <a:lnR>
+                      <a:noFill/>
+                    </a:lnR>
+                    <a:lnT>
+                      <a:noFill/>
+                    </a:lnT>
+                    <a:lnB>
+                      <a:noFill/>
+                    </a:lnB>
+                    <a:solidFill>
+                      <a:srgbClr val="3399FF"/>
+                    </a:solidFill>
+                  </a:tcPr>
+                </a:tc>
+                <a:tc>
+                  <a:txBody>
+                    <a:bodyPr/>
+                    <a:lstStyle/>
+                    <a:p>
+                      <a:pPr algn="l"/>
+                      <a:r>
+                        <a:rPr lang="fr-FR" sz="1300">
+                          <a:effectLst/>
+                          <a:latin typeface="Calibri" panose="020F0502020204030204" pitchFamily="34" charset="0"/>
+                        </a:rPr>
+                        <a:t>Temps estimé (j)</a:t>
+                      </a:r>
+                    </a:p>
+                  </a:txBody>
+                  <a:tcPr marL="64756" marR="64756" marT="32378" marB="32378" anchor="b">
+                    <a:lnL>
+                      <a:noFill/>
+                    </a:lnL>
+                    <a:lnR>
+                      <a:noFill/>
+                    </a:lnR>
+                    <a:lnT>
+                      <a:noFill/>
+                    </a:lnT>
+                    <a:lnB>
+                      <a:noFill/>
+                    </a:lnB>
+                    <a:solidFill>
+                      <a:srgbClr val="3399FF"/>
+                    </a:solidFill>
+                  </a:tcPr>
+                </a:tc>
+                <a:tc>
+                  <a:txBody>
+                    <a:bodyPr/>
+                    <a:lstStyle/>
+                    <a:p>
+                      <a:pPr algn="l"/>
+                      <a:r>
+                        <a:rPr lang="fr-FR" sz="1300" dirty="0" err="1">
+                          <a:effectLst/>
+                          <a:latin typeface="Calibri" panose="020F0502020204030204" pitchFamily="34" charset="0"/>
+                        </a:rPr>
+                        <a:t>Demo</a:t>
+                      </a:r>
+                      <a:endParaRPr lang="fr-FR" sz="1300" dirty="0">
+                        <a:effectLst/>
+                        <a:latin typeface="Calibri" panose="020F0502020204030204" pitchFamily="34" charset="0"/>
+                      </a:endParaRPr>
+                    </a:p>
+                  </a:txBody>
+                  <a:tcPr marL="64756" marR="64756" marT="32378" marB="32378" anchor="b">
+                    <a:lnL>
+                      <a:noFill/>
+                    </a:lnL>
+                    <a:lnR>
+                      <a:noFill/>
+                    </a:lnR>
+                    <a:lnT>
+                      <a:noFill/>
+                    </a:lnT>
+                    <a:lnB>
+                      <a:noFill/>
+                    </a:lnB>
+                    <a:solidFill>
+                      <a:srgbClr val="3399FF"/>
+                    </a:solidFill>
+                  </a:tcPr>
+                </a:tc>
+                <a:extLst>
+                  <a:ext uri="{0D108BD9-81ED-4DB2-BD59-A6C34878D82A}">
+                    <a16:rowId xmlns:a16="http://schemas.microsoft.com/office/drawing/2014/main" val="3842351367"/>
+                  </a:ext>
+                </a:extLst>
+              </a:tr>
+            </a:tbl>
+          </a:graphicData>
+        </a:graphic>
+      </p:graphicFrame>
     </p:spTree>
     <p:extLst>
       <p:ext uri="{BB962C8B-B14F-4D97-AF65-F5344CB8AC3E}">
@@ -15242,6 +16407,283 @@
       <p:bldP spid="8" grpId="0"/>
     </p:bldLst>
   </p:timing>
+</p:sld>
+</file>
+
+<file path=ppt/slides/slide18.xml><?xml version="1.0" encoding="utf-8"?>
+<p:sld xmlns:a="http://schemas.openxmlformats.org/drawingml/2006/main" xmlns:r="http://schemas.openxmlformats.org/officeDocument/2006/relationships" xmlns:p="http://schemas.openxmlformats.org/presentationml/2006/main">
+  <p:cSld>
+    <p:spTree>
+      <p:nvGrpSpPr>
+        <p:cNvPr id="1" name=""/>
+        <p:cNvGrpSpPr/>
+        <p:nvPr/>
+      </p:nvGrpSpPr>
+      <p:grpSpPr>
+        <a:xfrm>
+          <a:off x="0" y="0"/>
+          <a:ext cx="0" cy="0"/>
+          <a:chOff x="0" y="0"/>
+          <a:chExt cx="0" cy="0"/>
+        </a:xfrm>
+      </p:grpSpPr>
+      <p:sp>
+        <p:nvSpPr>
+          <p:cNvPr id="2" name="Titre 1"/>
+          <p:cNvSpPr>
+            <a:spLocks noGrp="1"/>
+          </p:cNvSpPr>
+          <p:nvPr>
+            <p:ph type="title"/>
+          </p:nvPr>
+        </p:nvSpPr>
+        <p:spPr>
+          <a:xfrm>
+            <a:off x="3529988" y="426341"/>
+            <a:ext cx="9404723" cy="734244"/>
+          </a:xfrm>
+        </p:spPr>
+        <p:txBody>
+          <a:bodyPr/>
+          <a:lstStyle/>
+          <a:p>
+            <a:r>
+              <a:rPr lang="fr-FR" dirty="0">
+                <a:solidFill>
+                  <a:srgbClr val="FF0000"/>
+                </a:solidFill>
+              </a:rPr>
+              <a:t>Bibliographie</a:t>
+            </a:r>
+          </a:p>
+        </p:txBody>
+      </p:sp>
+      <p:sp>
+        <p:nvSpPr>
+          <p:cNvPr id="3" name="Espace réservé du contenu 2"/>
+          <p:cNvSpPr>
+            <a:spLocks noGrp="1"/>
+          </p:cNvSpPr>
+          <p:nvPr>
+            <p:ph idx="1"/>
+          </p:nvPr>
+        </p:nvSpPr>
+        <p:spPr>
+          <a:xfrm>
+            <a:off x="1622058" y="1780356"/>
+            <a:ext cx="8946541" cy="4195481"/>
+          </a:xfrm>
+        </p:spPr>
+        <p:txBody>
+          <a:bodyPr>
+            <a:normAutofit fontScale="85000" lnSpcReduction="10000"/>
+          </a:bodyPr>
+          <a:lstStyle/>
+          <a:p>
+            <a:pPr>
+              <a:buFont typeface="Wingdings" panose="05000000000000000000" pitchFamily="2" charset="2"/>
+              <a:buChar char="Ø"/>
+            </a:pPr>
+            <a:r>
+              <a:rPr lang="fr-FR" dirty="0"/>
+              <a:t>Pro Git, Second Edition, de Scott </a:t>
+            </a:r>
+            <a:r>
+              <a:rPr lang="fr-FR" dirty="0" err="1"/>
+              <a:t>Chacon</a:t>
+            </a:r>
+            <a:r>
+              <a:rPr lang="fr-FR" dirty="0"/>
+              <a:t> &amp; Ben Straub : </a:t>
+            </a:r>
+            <a:r>
+              <a:rPr lang="fr-FR" dirty="0">
+                <a:hlinkClick r:id="rId2" tooltip="https://git-scm.com/book/en/v2"/>
+              </a:rPr>
+              <a:t>https://git-scm.com/book/en/v2</a:t>
+            </a:r>
+            <a:r>
+              <a:rPr lang="fr-FR" dirty="0"/>
+              <a:t> </a:t>
+            </a:r>
+          </a:p>
+          <a:p>
+            <a:pPr>
+              <a:buFont typeface="Wingdings" panose="05000000000000000000" pitchFamily="2" charset="2"/>
+              <a:buChar char="Ø"/>
+            </a:pPr>
+            <a:r>
+              <a:rPr lang="fr-FR" dirty="0"/>
+              <a:t>Documentation de </a:t>
+            </a:r>
+            <a:r>
+              <a:rPr lang="fr-FR" dirty="0" err="1"/>
+              <a:t>Tomcat</a:t>
+            </a:r>
+            <a:r>
+              <a:rPr lang="fr-FR" dirty="0"/>
+              <a:t> : </a:t>
+            </a:r>
+            <a:r>
+              <a:rPr lang="fr-FR" dirty="0">
+                <a:hlinkClick r:id="rId3" tooltip="http://tomcat.apache.org/tomcat-7.0-doc/"/>
+              </a:rPr>
+              <a:t>http://tomcat.apache.org/tomcat-7.0-doc/</a:t>
+            </a:r>
+            <a:r>
+              <a:rPr lang="fr-FR" dirty="0"/>
+              <a:t> </a:t>
+            </a:r>
+          </a:p>
+          <a:p>
+            <a:pPr>
+              <a:buFont typeface="Wingdings" panose="05000000000000000000" pitchFamily="2" charset="2"/>
+              <a:buChar char="Ø"/>
+            </a:pPr>
+            <a:r>
+              <a:rPr lang="fr-FR" dirty="0"/>
+              <a:t>Créez votre application web avec Java EE, de Médéric Munier sur </a:t>
+            </a:r>
+            <a:r>
+              <a:rPr lang="fr-FR" dirty="0" err="1"/>
+              <a:t>OpenClassRooms</a:t>
+            </a:r>
+            <a:r>
+              <a:rPr lang="fr-FR" dirty="0"/>
+              <a:t> : </a:t>
+            </a:r>
+            <a:r>
+              <a:rPr lang="fr-FR" dirty="0">
+                <a:hlinkClick r:id="rId4" tooltip="https://openclassrooms.com/courses/creez-votre-application-web-avec-java-ee"/>
+              </a:rPr>
+              <a:t>https://openclassrooms.com/courses/creez-votre-application-web-avec-java-ee</a:t>
+            </a:r>
+            <a:r>
+              <a:rPr lang="fr-FR" dirty="0"/>
+              <a:t> </a:t>
+            </a:r>
+          </a:p>
+          <a:p>
+            <a:pPr>
+              <a:buFont typeface="Wingdings" panose="05000000000000000000" pitchFamily="2" charset="2"/>
+              <a:buChar char="Ø"/>
+            </a:pPr>
+            <a:r>
+              <a:rPr lang="fr-FR" dirty="0"/>
+              <a:t>Documentation de JQuery (principalement pour l’AJAX) : </a:t>
+            </a:r>
+            <a:r>
+              <a:rPr lang="fr-FR" dirty="0">
+                <a:hlinkClick r:id="rId5" tooltip="http://api.jquery.com/"/>
+              </a:rPr>
+              <a:t>http://api.jquery.com/</a:t>
+            </a:r>
+            <a:r>
+              <a:rPr lang="fr-FR" dirty="0"/>
+              <a:t> </a:t>
+            </a:r>
+          </a:p>
+          <a:p>
+            <a:pPr>
+              <a:buFont typeface="Wingdings" panose="05000000000000000000" pitchFamily="2" charset="2"/>
+              <a:buChar char="Ø"/>
+            </a:pPr>
+            <a:r>
+              <a:rPr lang="fr-FR" dirty="0"/>
+              <a:t>Documentation de JavaScript, par MDN : </a:t>
+            </a:r>
+            <a:r>
+              <a:rPr lang="fr-FR" dirty="0">
+                <a:hlinkClick r:id="rId6" tooltip="https://developer.mozilla.org/en-US/docs/Web/JavaScript"/>
+              </a:rPr>
+              <a:t>https://developer.mozilla.org/en-US/docs/Web/JavaScript</a:t>
+            </a:r>
+            <a:endParaRPr lang="fr-FR" dirty="0"/>
+          </a:p>
+          <a:p>
+            <a:pPr>
+              <a:buFont typeface="Wingdings" panose="05000000000000000000" pitchFamily="2" charset="2"/>
+              <a:buChar char="Ø"/>
+            </a:pPr>
+            <a:r>
+              <a:rPr lang="fr-FR" dirty="0"/>
+              <a:t>Scrum et XP depuis les tranchées, par Henrik </a:t>
+            </a:r>
+            <a:r>
+              <a:rPr lang="fr-FR" dirty="0" err="1"/>
+              <a:t>Kniberg</a:t>
+            </a:r>
+            <a:r>
+              <a:rPr lang="fr-FR" dirty="0"/>
+              <a:t> : </a:t>
+            </a:r>
+            <a:r>
+              <a:rPr lang="fr-FR" dirty="0">
+                <a:hlinkClick r:id="rId7" tooltip="http://www.infoq.com/resource/news/2007/06/scrum-xp-book/en/resources/ScrumAndXpFromTheTrenches_French.pdf"/>
+              </a:rPr>
+              <a:t>http://www.infoq.com/resource/news/2007/06/scrum-xp-book/en/resources/ScrumAndXpFromTheTrenches_French.pdf</a:t>
+            </a:r>
+            <a:r>
+              <a:rPr lang="fr-FR" dirty="0"/>
+              <a:t> </a:t>
+            </a:r>
+          </a:p>
+          <a:p>
+            <a:pPr>
+              <a:buFont typeface="Wingdings" panose="05000000000000000000" pitchFamily="2" charset="2"/>
+              <a:buChar char="Ø"/>
+            </a:pPr>
+            <a:r>
+              <a:rPr lang="fr-FR" dirty="0" err="1"/>
+              <a:t>Materialize</a:t>
+            </a:r>
+            <a:r>
+              <a:rPr lang="fr-FR" dirty="0"/>
+              <a:t> : </a:t>
+            </a:r>
+            <a:r>
+              <a:rPr lang="fr-FR" dirty="0">
+                <a:hlinkClick r:id="rId8" tooltip="http://materializecss.com/"/>
+              </a:rPr>
+              <a:t>http://materializecss.com/</a:t>
+            </a:r>
+            <a:endParaRPr lang="fr-FR" dirty="0"/>
+          </a:p>
+        </p:txBody>
+      </p:sp>
+      <p:sp>
+        <p:nvSpPr>
+          <p:cNvPr id="4" name="Espace réservé du numéro de diapositive 3"/>
+          <p:cNvSpPr>
+            <a:spLocks noGrp="1"/>
+          </p:cNvSpPr>
+          <p:nvPr>
+            <p:ph type="sldNum" sz="quarter" idx="12"/>
+          </p:nvPr>
+        </p:nvSpPr>
+        <p:spPr/>
+        <p:txBody>
+          <a:bodyPr/>
+          <a:lstStyle/>
+          <a:p>
+            <a:fld id="{D57F1E4F-1CFF-5643-939E-02111984F565}" type="slidenum">
+              <a:rPr lang="en-US" smtClean="0"/>
+              <a:t>18</a:t>
+            </a:fld>
+            <a:endParaRPr lang="en-US" dirty="0"/>
+          </a:p>
+        </p:txBody>
+      </p:sp>
+    </p:spTree>
+    <p:extLst>
+      <p:ext uri="{BB962C8B-B14F-4D97-AF65-F5344CB8AC3E}">
+        <p14:creationId xmlns:p14="http://schemas.microsoft.com/office/powerpoint/2010/main" val="3911611896"/>
+      </p:ext>
+    </p:extLst>
+  </p:cSld>
+  <p:clrMapOvr>
+    <a:masterClrMapping/>
+  </p:clrMapOvr>
 </p:sld>
 </file>
 

--- a/Documentation/PresentationPIA.pptx
+++ b/Documentation/PresentationPIA.pptx
@@ -5,27 +5,28 @@
     <p:sldMasterId id="2147483648" r:id="rId1"/>
   </p:sldMasterIdLst>
   <p:notesMasterIdLst>
-    <p:notesMasterId r:id="rId20"/>
+    <p:notesMasterId r:id="rId21"/>
   </p:notesMasterIdLst>
   <p:sldIdLst>
     <p:sldId id="256" r:id="rId2"/>
-    <p:sldId id="257" r:id="rId3"/>
-    <p:sldId id="258" r:id="rId4"/>
-    <p:sldId id="259" r:id="rId5"/>
-    <p:sldId id="260" r:id="rId6"/>
-    <p:sldId id="261" r:id="rId7"/>
-    <p:sldId id="262" r:id="rId8"/>
-    <p:sldId id="263" r:id="rId9"/>
-    <p:sldId id="264" r:id="rId10"/>
-    <p:sldId id="265" r:id="rId11"/>
-    <p:sldId id="269" r:id="rId12"/>
-    <p:sldId id="266" r:id="rId13"/>
-    <p:sldId id="267" r:id="rId14"/>
-    <p:sldId id="268" r:id="rId15"/>
-    <p:sldId id="270" r:id="rId16"/>
-    <p:sldId id="271" r:id="rId17"/>
-    <p:sldId id="272" r:id="rId18"/>
-    <p:sldId id="273" r:id="rId19"/>
+    <p:sldId id="274" r:id="rId3"/>
+    <p:sldId id="257" r:id="rId4"/>
+    <p:sldId id="258" r:id="rId5"/>
+    <p:sldId id="259" r:id="rId6"/>
+    <p:sldId id="260" r:id="rId7"/>
+    <p:sldId id="261" r:id="rId8"/>
+    <p:sldId id="262" r:id="rId9"/>
+    <p:sldId id="263" r:id="rId10"/>
+    <p:sldId id="264" r:id="rId11"/>
+    <p:sldId id="265" r:id="rId12"/>
+    <p:sldId id="269" r:id="rId13"/>
+    <p:sldId id="266" r:id="rId14"/>
+    <p:sldId id="267" r:id="rId15"/>
+    <p:sldId id="268" r:id="rId16"/>
+    <p:sldId id="270" r:id="rId17"/>
+    <p:sldId id="271" r:id="rId18"/>
+    <p:sldId id="272" r:id="rId19"/>
+    <p:sldId id="273" r:id="rId20"/>
   </p:sldIdLst>
   <p:sldSz cx="12192000" cy="6858000"/>
   <p:notesSz cx="6858000" cy="9144000"/>
@@ -214,7 +215,7 @@
           <a:p>
             <a:fld id="{D175DC6E-4EB8-4974-B40F-E494E476C91F}" type="datetimeFigureOut">
               <a:rPr lang="fr-FR" smtClean="0"/>
-              <a:t>23/04/2017</a:t>
+              <a:t>24/04/2017</a:t>
             </a:fld>
             <a:endParaRPr lang="fr-FR"/>
           </a:p>
@@ -667,7 +668,7 @@
           <a:p>
             <a:fld id="{6E038034-C16F-45AE-A9ED-D94DAAA853D3}" type="datetime1">
               <a:rPr lang="en-US" smtClean="0"/>
-              <a:t>4/23/2017</a:t>
+              <a:t>4/24/2017</a:t>
             </a:fld>
             <a:endParaRPr lang="en-US" dirty="0"/>
           </a:p>
@@ -937,7 +938,7 @@
           <a:p>
             <a:fld id="{C07A7C4C-9EBA-41FA-97AC-949D3699028C}" type="datetime1">
               <a:rPr lang="en-US" smtClean="0"/>
-              <a:t>4/23/2017</a:t>
+              <a:t>4/24/2017</a:t>
             </a:fld>
             <a:endParaRPr lang="en-US" dirty="0"/>
           </a:p>
@@ -1126,7 +1127,7 @@
           <a:p>
             <a:fld id="{FE4418B5-0BD3-4110-BB71-BC5AE5851840}" type="datetime1">
               <a:rPr lang="en-US" smtClean="0"/>
-              <a:t>4/23/2017</a:t>
+              <a:t>4/24/2017</a:t>
             </a:fld>
             <a:endParaRPr lang="en-US" dirty="0"/>
           </a:p>
@@ -1394,7 +1395,7 @@
           <a:p>
             <a:fld id="{9A01B044-846D-4A4E-BF37-C900320338E3}" type="datetime1">
               <a:rPr lang="en-US" smtClean="0"/>
-              <a:t>4/23/2017</a:t>
+              <a:t>4/24/2017</a:t>
             </a:fld>
             <a:endParaRPr lang="en-US" dirty="0"/>
           </a:p>
@@ -1730,7 +1731,7 @@
           <a:p>
             <a:fld id="{F0124DC8-4D5B-4273-BB9A-C5218FF266FA}" type="datetime1">
               <a:rPr lang="en-US" smtClean="0"/>
-              <a:t>4/23/2017</a:t>
+              <a:t>4/24/2017</a:t>
             </a:fld>
             <a:endParaRPr lang="en-US" dirty="0"/>
           </a:p>
@@ -2348,7 +2349,7 @@
           <a:p>
             <a:fld id="{FE585A3A-3D60-4EA6-BD16-A9FEEF964A1B}" type="datetime1">
               <a:rPr lang="en-US" smtClean="0"/>
-              <a:t>4/23/2017</a:t>
+              <a:t>4/24/2017</a:t>
             </a:fld>
             <a:endParaRPr lang="en-US" dirty="0"/>
           </a:p>
@@ -3203,7 +3204,7 @@
           <a:p>
             <a:fld id="{3A41D2EC-AC8E-4DAD-8064-BEDC29A4D4A2}" type="datetime1">
               <a:rPr lang="en-US" smtClean="0"/>
-              <a:t>4/23/2017</a:t>
+              <a:t>4/24/2017</a:t>
             </a:fld>
             <a:endParaRPr lang="en-US" dirty="0"/>
           </a:p>
@@ -3368,7 +3369,7 @@
           <a:p>
             <a:fld id="{0EA20455-816E-4BDC-86C5-A5BA40D834B5}" type="datetime1">
               <a:rPr lang="en-US" smtClean="0"/>
-              <a:t>4/23/2017</a:t>
+              <a:t>4/24/2017</a:t>
             </a:fld>
             <a:endParaRPr lang="en-US" dirty="0"/>
           </a:p>
@@ -3543,7 +3544,7 @@
           <a:p>
             <a:fld id="{2D3C4BD4-B8F8-46D5-BED8-FC7045DC4C75}" type="datetime1">
               <a:rPr lang="en-US" smtClean="0"/>
-              <a:t>4/23/2017</a:t>
+              <a:t>4/24/2017</a:t>
             </a:fld>
             <a:endParaRPr lang="en-US" dirty="0"/>
           </a:p>
@@ -3708,7 +3709,7 @@
           <a:p>
             <a:fld id="{3444A22B-33F2-4BD7-BFFA-2685883C0F8D}" type="datetime1">
               <a:rPr lang="en-US" smtClean="0"/>
-              <a:t>4/23/2017</a:t>
+              <a:t>4/24/2017</a:t>
             </a:fld>
             <a:endParaRPr lang="en-US" dirty="0"/>
           </a:p>
@@ -3950,7 +3951,7 @@
           <a:p>
             <a:fld id="{7C59A474-B3C7-4CFE-A4DE-69844D44AA14}" type="datetime1">
               <a:rPr lang="en-US" smtClean="0"/>
-              <a:t>4/23/2017</a:t>
+              <a:t>4/24/2017</a:t>
             </a:fld>
             <a:endParaRPr lang="en-US" dirty="0"/>
           </a:p>
@@ -4237,7 +4238,7 @@
           <a:p>
             <a:fld id="{224165E1-F10C-45E6-A9FD-A9D520001FE4}" type="datetime1">
               <a:rPr lang="en-US" smtClean="0"/>
-              <a:t>4/23/2017</a:t>
+              <a:t>4/24/2017</a:t>
             </a:fld>
             <a:endParaRPr lang="en-US" dirty="0"/>
           </a:p>
@@ -4676,7 +4677,7 @@
           <a:p>
             <a:fld id="{1E27BA6A-792A-43D7-B2E7-04DA9870A7B9}" type="datetime1">
               <a:rPr lang="en-US" smtClean="0"/>
-              <a:t>4/23/2017</a:t>
+              <a:t>4/24/2017</a:t>
             </a:fld>
             <a:endParaRPr lang="en-US" dirty="0"/>
           </a:p>
@@ -4789,7 +4790,7 @@
           <a:p>
             <a:fld id="{1C7EAFCB-DA4E-4C5B-A5C9-04B2C8D2E360}" type="datetime1">
               <a:rPr lang="en-US" smtClean="0"/>
-              <a:t>4/23/2017</a:t>
+              <a:t>4/24/2017</a:t>
             </a:fld>
             <a:endParaRPr lang="en-US" dirty="0"/>
           </a:p>
@@ -4879,7 +4880,7 @@
           <a:p>
             <a:fld id="{24AFA4F0-8271-44C7-99C9-F91762944399}" type="datetime1">
               <a:rPr lang="en-US" smtClean="0"/>
-              <a:t>4/23/2017</a:t>
+              <a:t>4/24/2017</a:t>
             </a:fld>
             <a:endParaRPr lang="en-US" dirty="0"/>
           </a:p>
@@ -5153,7 +5154,7 @@
           <a:p>
             <a:fld id="{50B05437-E242-4769-A68C-F6D2575C8989}" type="datetime1">
               <a:rPr lang="en-US" smtClean="0"/>
-              <a:t>4/23/2017</a:t>
+              <a:t>4/24/2017</a:t>
             </a:fld>
             <a:endParaRPr lang="en-US" dirty="0"/>
           </a:p>
@@ -5423,7 +5424,7 @@
           <a:p>
             <a:fld id="{5F1958FD-AA9F-4D1B-9FC1-8FE3CA1EF4C1}" type="datetime1">
               <a:rPr lang="en-US" smtClean="0"/>
-              <a:t>4/23/2017</a:t>
+              <a:t>4/24/2017</a:t>
             </a:fld>
             <a:endParaRPr lang="en-US" dirty="0"/>
           </a:p>
@@ -5847,7 +5848,7 @@
           <a:p>
             <a:fld id="{4C7B7F48-5858-4462-8EC3-764D36C44155}" type="datetime1">
               <a:rPr lang="en-US" smtClean="0"/>
-              <a:t>4/23/2017</a:t>
+              <a:t>4/24/2017</a:t>
             </a:fld>
             <a:endParaRPr lang="en-US" dirty="0"/>
           </a:p>
@@ -6514,6 +6515,127 @@
         </p:nvSpPr>
         <p:spPr>
           <a:xfrm>
+            <a:off x="734034" y="244511"/>
+            <a:ext cx="9404723" cy="1400530"/>
+          </a:xfrm>
+        </p:spPr>
+        <p:txBody>
+          <a:bodyPr/>
+          <a:lstStyle/>
+          <a:p>
+            <a:r>
+              <a:rPr lang="fr-FR" sz="3600" dirty="0">
+                <a:solidFill>
+                  <a:srgbClr val="FF0000"/>
+                </a:solidFill>
+              </a:rPr>
+              <a:t>Méthodologie – </a:t>
+            </a:r>
+            <a:r>
+              <a:rPr lang="fr-FR" sz="2800" dirty="0">
+                <a:solidFill>
+                  <a:srgbClr val="FF0000"/>
+                </a:solidFill>
+              </a:rPr>
+              <a:t>Architecture &amp; Fonctionnement</a:t>
+            </a:r>
+            <a:endParaRPr lang="fr-FR" sz="3200" dirty="0">
+              <a:solidFill>
+                <a:srgbClr val="FF0000"/>
+              </a:solidFill>
+            </a:endParaRPr>
+          </a:p>
+        </p:txBody>
+      </p:sp>
+      <p:pic>
+        <p:nvPicPr>
+          <p:cNvPr id="18" name="Image 17"/>
+          <p:cNvPicPr>
+            <a:picLocks noChangeAspect="1"/>
+          </p:cNvPicPr>
+          <p:nvPr/>
+        </p:nvPicPr>
+        <p:blipFill>
+          <a:blip r:embed="rId2"/>
+          <a:stretch>
+            <a:fillRect/>
+          </a:stretch>
+        </p:blipFill>
+        <p:spPr>
+          <a:xfrm>
+            <a:off x="1830774" y="1382927"/>
+            <a:ext cx="7211242" cy="5022885"/>
+          </a:xfrm>
+          <a:prstGeom prst="rect">
+            <a:avLst/>
+          </a:prstGeom>
+        </p:spPr>
+      </p:pic>
+      <p:sp>
+        <p:nvSpPr>
+          <p:cNvPr id="20" name="Espace réservé du numéro de diapositive 19"/>
+          <p:cNvSpPr>
+            <a:spLocks noGrp="1"/>
+          </p:cNvSpPr>
+          <p:nvPr>
+            <p:ph type="sldNum" sz="quarter" idx="12"/>
+          </p:nvPr>
+        </p:nvSpPr>
+        <p:spPr/>
+        <p:txBody>
+          <a:bodyPr/>
+          <a:lstStyle/>
+          <a:p>
+            <a:fld id="{D57F1E4F-1CFF-5643-939E-02111984F565}" type="slidenum">
+              <a:rPr lang="en-US" smtClean="0"/>
+              <a:t>10</a:t>
+            </a:fld>
+            <a:endParaRPr lang="en-US" dirty="0"/>
+          </a:p>
+        </p:txBody>
+      </p:sp>
+    </p:spTree>
+    <p:extLst>
+      <p:ext uri="{BB962C8B-B14F-4D97-AF65-F5344CB8AC3E}">
+        <p14:creationId xmlns:p14="http://schemas.microsoft.com/office/powerpoint/2010/main" val="1677150759"/>
+      </p:ext>
+    </p:extLst>
+  </p:cSld>
+  <p:clrMapOvr>
+    <a:masterClrMapping/>
+  </p:clrMapOvr>
+</p:sld>
+</file>
+
+<file path=ppt/slides/slide11.xml><?xml version="1.0" encoding="utf-8"?>
+<p:sld xmlns:a="http://schemas.openxmlformats.org/drawingml/2006/main" xmlns:r="http://schemas.openxmlformats.org/officeDocument/2006/relationships" xmlns:p="http://schemas.openxmlformats.org/presentationml/2006/main">
+  <p:cSld>
+    <p:spTree>
+      <p:nvGrpSpPr>
+        <p:cNvPr id="1" name=""/>
+        <p:cNvGrpSpPr/>
+        <p:nvPr/>
+      </p:nvGrpSpPr>
+      <p:grpSpPr>
+        <a:xfrm>
+          <a:off x="0" y="0"/>
+          <a:ext cx="0" cy="0"/>
+          <a:chOff x="0" y="0"/>
+          <a:chExt cx="0" cy="0"/>
+        </a:xfrm>
+      </p:grpSpPr>
+      <p:sp>
+        <p:nvSpPr>
+          <p:cNvPr id="2" name="Titre 1"/>
+          <p:cNvSpPr>
+            <a:spLocks noGrp="1"/>
+          </p:cNvSpPr>
+          <p:nvPr>
+            <p:ph type="title"/>
+          </p:nvPr>
+        </p:nvSpPr>
+        <p:spPr>
+          <a:xfrm>
             <a:off x="1498965" y="274326"/>
             <a:ext cx="9404723" cy="1400530"/>
           </a:xfrm>
@@ -6627,7 +6749,7 @@
           <a:p>
             <a:fld id="{D57F1E4F-1CFF-5643-939E-02111984F565}" type="slidenum">
               <a:rPr lang="en-US" smtClean="0"/>
-              <a:t>10</a:t>
+              <a:t>11</a:t>
             </a:fld>
             <a:endParaRPr lang="en-US" dirty="0"/>
           </a:p>
@@ -6646,7 +6768,7 @@
 </p:sld>
 </file>
 
-<file path=ppt/slides/slide11.xml><?xml version="1.0" encoding="utf-8"?>
+<file path=ppt/slides/slide12.xml><?xml version="1.0" encoding="utf-8"?>
 <p:sld xmlns:a="http://schemas.openxmlformats.org/drawingml/2006/main" xmlns:r="http://schemas.openxmlformats.org/officeDocument/2006/relationships" xmlns:p="http://schemas.openxmlformats.org/presentationml/2006/main">
   <p:cSld>
     <p:spTree>
@@ -8037,7 +8159,7 @@
           <a:p>
             <a:fld id="{D57F1E4F-1CFF-5643-939E-02111984F565}" type="slidenum">
               <a:rPr lang="en-US" smtClean="0"/>
-              <a:t>11</a:t>
+              <a:t>12</a:t>
             </a:fld>
             <a:endParaRPr lang="en-US" dirty="0"/>
           </a:p>
@@ -8335,7 +8457,7 @@
 </p:sld>
 </file>
 
-<file path=ppt/slides/slide12.xml><?xml version="1.0" encoding="utf-8"?>
+<file path=ppt/slides/slide13.xml><?xml version="1.0" encoding="utf-8"?>
 <p:sld xmlns:a="http://schemas.openxmlformats.org/drawingml/2006/main" xmlns:r="http://schemas.openxmlformats.org/officeDocument/2006/relationships" xmlns:p="http://schemas.openxmlformats.org/presentationml/2006/main">
   <p:cSld>
     <p:spTree>
@@ -10365,7 +10487,7 @@
           <a:p>
             <a:fld id="{D57F1E4F-1CFF-5643-939E-02111984F565}" type="slidenum">
               <a:rPr lang="en-US" smtClean="0"/>
-              <a:t>12</a:t>
+              <a:t>13</a:t>
             </a:fld>
             <a:endParaRPr lang="en-US" dirty="0"/>
           </a:p>
@@ -10663,7 +10785,7 @@
 </p:sld>
 </file>
 
-<file path=ppt/slides/slide13.xml><?xml version="1.0" encoding="utf-8"?>
+<file path=ppt/slides/slide14.xml><?xml version="1.0" encoding="utf-8"?>
 <p:sld xmlns:a="http://schemas.openxmlformats.org/drawingml/2006/main" xmlns:r="http://schemas.openxmlformats.org/officeDocument/2006/relationships" xmlns:p="http://schemas.openxmlformats.org/presentationml/2006/main">
   <p:cSld>
     <p:spTree>
@@ -12906,7 +13028,7 @@
           <a:p>
             <a:fld id="{D57F1E4F-1CFF-5643-939E-02111984F565}" type="slidenum">
               <a:rPr lang="en-US" smtClean="0"/>
-              <a:t>13</a:t>
+              <a:t>14</a:t>
             </a:fld>
             <a:endParaRPr lang="en-US" dirty="0"/>
           </a:p>
@@ -13204,7 +13326,7 @@
 </p:sld>
 </file>
 
-<file path=ppt/slides/slide14.xml><?xml version="1.0" encoding="utf-8"?>
+<file path=ppt/slides/slide15.xml><?xml version="1.0" encoding="utf-8"?>
 <p:sld xmlns:a="http://schemas.openxmlformats.org/drawingml/2006/main" xmlns:r="http://schemas.openxmlformats.org/officeDocument/2006/relationships" xmlns:p="http://schemas.openxmlformats.org/presentationml/2006/main">
   <p:cSld>
     <p:spTree>
@@ -15081,7 +15203,7 @@
           <a:p>
             <a:fld id="{D57F1E4F-1CFF-5643-939E-02111984F565}" type="slidenum">
               <a:rPr lang="en-US" smtClean="0"/>
-              <a:t>14</a:t>
+              <a:t>15</a:t>
             </a:fld>
             <a:endParaRPr lang="en-US" dirty="0"/>
           </a:p>
@@ -15379,365 +15501,6 @@
 </p:sld>
 </file>
 
-<file path=ppt/slides/slide15.xml><?xml version="1.0" encoding="utf-8"?>
-<p:sld xmlns:a="http://schemas.openxmlformats.org/drawingml/2006/main" xmlns:r="http://schemas.openxmlformats.org/officeDocument/2006/relationships" xmlns:p="http://schemas.openxmlformats.org/presentationml/2006/main">
-  <p:cSld>
-    <p:spTree>
-      <p:nvGrpSpPr>
-        <p:cNvPr id="1" name=""/>
-        <p:cNvGrpSpPr/>
-        <p:nvPr/>
-      </p:nvGrpSpPr>
-      <p:grpSpPr>
-        <a:xfrm>
-          <a:off x="0" y="0"/>
-          <a:ext cx="0" cy="0"/>
-          <a:chOff x="0" y="0"/>
-          <a:chExt cx="0" cy="0"/>
-        </a:xfrm>
-      </p:grpSpPr>
-      <p:sp>
-        <p:nvSpPr>
-          <p:cNvPr id="2" name="Titre 1"/>
-          <p:cNvSpPr>
-            <a:spLocks noGrp="1"/>
-          </p:cNvSpPr>
-          <p:nvPr>
-            <p:ph type="title"/>
-          </p:nvPr>
-        </p:nvSpPr>
-        <p:spPr>
-          <a:xfrm>
-            <a:off x="1498965" y="274326"/>
-            <a:ext cx="9404723" cy="1400530"/>
-          </a:xfrm>
-        </p:spPr>
-        <p:txBody>
-          <a:bodyPr/>
-          <a:lstStyle/>
-          <a:p>
-            <a:r>
-              <a:rPr lang="fr-FR" sz="3200" dirty="0">
-                <a:solidFill>
-                  <a:srgbClr val="FF0000"/>
-                </a:solidFill>
-              </a:rPr>
-              <a:t>Conclusion – Aléas du projet</a:t>
-            </a:r>
-          </a:p>
-        </p:txBody>
-      </p:sp>
-      <p:sp>
-        <p:nvSpPr>
-          <p:cNvPr id="6" name="Espace réservé du contenu 5"/>
-          <p:cNvSpPr>
-            <a:spLocks noGrp="1"/>
-          </p:cNvSpPr>
-          <p:nvPr>
-            <p:ph idx="1"/>
-          </p:nvPr>
-        </p:nvSpPr>
-        <p:spPr>
-          <a:xfrm>
-            <a:off x="1103312" y="2052918"/>
-            <a:ext cx="8946541" cy="725451"/>
-          </a:xfrm>
-        </p:spPr>
-        <p:txBody>
-          <a:bodyPr>
-            <a:normAutofit/>
-          </a:bodyPr>
-          <a:lstStyle/>
-          <a:p>
-            <a:pPr>
-              <a:buFont typeface="Wingdings" panose="05000000000000000000" pitchFamily="2" charset="2"/>
-              <a:buChar char="Ø"/>
-            </a:pPr>
-            <a:r>
-              <a:rPr lang="fr-FR" sz="2800" dirty="0"/>
-              <a:t>GitHub </a:t>
-            </a:r>
-          </a:p>
-          <a:p>
-            <a:pPr marL="0" indent="0">
-              <a:buNone/>
-            </a:pPr>
-            <a:endParaRPr lang="fr-FR" sz="2800" dirty="0"/>
-          </a:p>
-          <a:p>
-            <a:pPr marL="0" indent="0">
-              <a:buNone/>
-            </a:pPr>
-            <a:endParaRPr lang="fr-FR" sz="2800" dirty="0"/>
-          </a:p>
-        </p:txBody>
-      </p:sp>
-      <p:sp>
-        <p:nvSpPr>
-          <p:cNvPr id="7" name="ZoneTexte 6"/>
-          <p:cNvSpPr txBox="1"/>
-          <p:nvPr/>
-        </p:nvSpPr>
-        <p:spPr>
-          <a:xfrm rot="10800000" flipV="1">
-            <a:off x="1103311" y="3079488"/>
-            <a:ext cx="3846757" cy="523220"/>
-          </a:xfrm>
-          <a:prstGeom prst="rect">
-            <a:avLst/>
-          </a:prstGeom>
-          <a:noFill/>
-        </p:spPr>
-        <p:txBody>
-          <a:bodyPr wrap="square" rtlCol="0">
-            <a:spAutoFit/>
-          </a:bodyPr>
-          <a:lstStyle/>
-          <a:p>
-            <a:pPr>
-              <a:buFont typeface="Wingdings" panose="05000000000000000000" pitchFamily="2" charset="2"/>
-              <a:buChar char="Ø"/>
-            </a:pPr>
-            <a:r>
-              <a:rPr lang="fr-FR" sz="2400" dirty="0"/>
-              <a:t> </a:t>
-            </a:r>
-            <a:r>
-              <a:rPr lang="fr-FR" sz="2800" dirty="0"/>
-              <a:t>Responsive</a:t>
-            </a:r>
-            <a:r>
-              <a:rPr lang="fr-FR" sz="2400" dirty="0"/>
-              <a:t> </a:t>
-            </a:r>
-            <a:r>
-              <a:rPr lang="fr-FR" sz="2800" dirty="0"/>
-              <a:t>Design</a:t>
-            </a:r>
-            <a:endParaRPr lang="fr-FR" sz="2400" dirty="0"/>
-          </a:p>
-        </p:txBody>
-      </p:sp>
-      <p:sp>
-        <p:nvSpPr>
-          <p:cNvPr id="8" name="Rectangle 7"/>
-          <p:cNvSpPr/>
-          <p:nvPr/>
-        </p:nvSpPr>
-        <p:spPr>
-          <a:xfrm>
-            <a:off x="1103311" y="3903827"/>
-            <a:ext cx="6096000" cy="800219"/>
-          </a:xfrm>
-          <a:prstGeom prst="rect">
-            <a:avLst/>
-          </a:prstGeom>
-        </p:spPr>
-        <p:txBody>
-          <a:bodyPr>
-            <a:spAutoFit/>
-          </a:bodyPr>
-          <a:lstStyle/>
-          <a:p>
-            <a:pPr>
-              <a:buFont typeface="Wingdings" panose="05000000000000000000" pitchFamily="2" charset="2"/>
-              <a:buChar char="Ø"/>
-            </a:pPr>
-            <a:endParaRPr lang="fr-FR" dirty="0"/>
-          </a:p>
-          <a:p>
-            <a:pPr>
-              <a:buFont typeface="Wingdings" panose="05000000000000000000" pitchFamily="2" charset="2"/>
-              <a:buChar char="Ø"/>
-            </a:pPr>
-            <a:r>
-              <a:rPr lang="fr-FR" sz="2800" dirty="0"/>
-              <a:t> </a:t>
-            </a:r>
-            <a:r>
-              <a:rPr lang="fr-FR" sz="2800" dirty="0" err="1"/>
-              <a:t>IntelliJ</a:t>
-            </a:r>
-            <a:endParaRPr lang="fr-FR" sz="2800" dirty="0"/>
-          </a:p>
-        </p:txBody>
-      </p:sp>
-      <p:sp>
-        <p:nvSpPr>
-          <p:cNvPr id="9" name="Espace réservé du numéro de diapositive 8"/>
-          <p:cNvSpPr>
-            <a:spLocks noGrp="1"/>
-          </p:cNvSpPr>
-          <p:nvPr>
-            <p:ph type="sldNum" sz="quarter" idx="12"/>
-          </p:nvPr>
-        </p:nvSpPr>
-        <p:spPr/>
-        <p:txBody>
-          <a:bodyPr/>
-          <a:lstStyle/>
-          <a:p>
-            <a:fld id="{D57F1E4F-1CFF-5643-939E-02111984F565}" type="slidenum">
-              <a:rPr lang="en-US" smtClean="0"/>
-              <a:t>15</a:t>
-            </a:fld>
-            <a:endParaRPr lang="en-US" dirty="0"/>
-          </a:p>
-        </p:txBody>
-      </p:sp>
-    </p:spTree>
-    <p:extLst>
-      <p:ext uri="{BB962C8B-B14F-4D97-AF65-F5344CB8AC3E}">
-        <p14:creationId xmlns:p14="http://schemas.microsoft.com/office/powerpoint/2010/main" val="923378494"/>
-      </p:ext>
-    </p:extLst>
-  </p:cSld>
-  <p:clrMapOvr>
-    <a:masterClrMapping/>
-  </p:clrMapOvr>
-  <p:timing>
-    <p:tnLst>
-      <p:par>
-        <p:cTn id="1" dur="indefinite" restart="never" nodeType="tmRoot">
-          <p:childTnLst>
-            <p:seq concurrent="1" nextAc="seek">
-              <p:cTn id="2" dur="indefinite" nodeType="mainSeq">
-                <p:childTnLst>
-                  <p:par>
-                    <p:cTn id="3" fill="hold">
-                      <p:stCondLst>
-                        <p:cond delay="indefinite"/>
-                      </p:stCondLst>
-                      <p:childTnLst>
-                        <p:par>
-                          <p:cTn id="4" fill="hold">
-                            <p:stCondLst>
-                              <p:cond delay="0"/>
-                            </p:stCondLst>
-                            <p:childTnLst>
-                              <p:par>
-                                <p:cTn id="5" presetID="10" presetClass="entr" presetSubtype="0" fill="hold" grpId="0" nodeType="clickEffect">
-                                  <p:stCondLst>
-                                    <p:cond delay="0"/>
-                                  </p:stCondLst>
-                                  <p:childTnLst>
-                                    <p:set>
-                                      <p:cBhvr>
-                                        <p:cTn id="6" dur="1" fill="hold">
-                                          <p:stCondLst>
-                                            <p:cond delay="0"/>
-                                          </p:stCondLst>
-                                        </p:cTn>
-                                        <p:tgtEl>
-                                          <p:spTgt spid="7"/>
-                                        </p:tgtEl>
-                                        <p:attrNameLst>
-                                          <p:attrName>style.visibility</p:attrName>
-                                        </p:attrNameLst>
-                                      </p:cBhvr>
-                                      <p:to>
-                                        <p:strVal val="visible"/>
-                                      </p:to>
-                                    </p:set>
-                                    <p:animEffect transition="in" filter="fade">
-                                      <p:cBhvr>
-                                        <p:cTn id="7" dur="500"/>
-                                        <p:tgtEl>
-                                          <p:spTgt spid="7"/>
-                                        </p:tgtEl>
-                                      </p:cBhvr>
-                                    </p:animEffect>
-                                  </p:childTnLst>
-                                </p:cTn>
-                              </p:par>
-                            </p:childTnLst>
-                          </p:cTn>
-                        </p:par>
-                      </p:childTnLst>
-                    </p:cTn>
-                  </p:par>
-                  <p:par>
-                    <p:cTn id="8" fill="hold">
-                      <p:stCondLst>
-                        <p:cond delay="indefinite"/>
-                      </p:stCondLst>
-                      <p:childTnLst>
-                        <p:par>
-                          <p:cTn id="9" fill="hold">
-                            <p:stCondLst>
-                              <p:cond delay="0"/>
-                            </p:stCondLst>
-                            <p:childTnLst>
-                              <p:par>
-                                <p:cTn id="10" presetID="10" presetClass="entr" presetSubtype="0" fill="hold" grpId="0" nodeType="clickEffect">
-                                  <p:stCondLst>
-                                    <p:cond delay="0"/>
-                                  </p:stCondLst>
-                                  <p:childTnLst>
-                                    <p:set>
-                                      <p:cBhvr>
-                                        <p:cTn id="11" dur="1" fill="hold">
-                                          <p:stCondLst>
-                                            <p:cond delay="0"/>
-                                          </p:stCondLst>
-                                        </p:cTn>
-                                        <p:tgtEl>
-                                          <p:spTgt spid="8"/>
-                                        </p:tgtEl>
-                                        <p:attrNameLst>
-                                          <p:attrName>style.visibility</p:attrName>
-                                        </p:attrNameLst>
-                                      </p:cBhvr>
-                                      <p:to>
-                                        <p:strVal val="visible"/>
-                                      </p:to>
-                                    </p:set>
-                                    <p:animEffect transition="in" filter="fade">
-                                      <p:cBhvr>
-                                        <p:cTn id="12" dur="500"/>
-                                        <p:tgtEl>
-                                          <p:spTgt spid="8"/>
-                                        </p:tgtEl>
-                                      </p:cBhvr>
-                                    </p:animEffect>
-                                  </p:childTnLst>
-                                </p:cTn>
-                              </p:par>
-                            </p:childTnLst>
-                          </p:cTn>
-                        </p:par>
-                      </p:childTnLst>
-                    </p:cTn>
-                  </p:par>
-                </p:childTnLst>
-              </p:cTn>
-              <p:prevCondLst>
-                <p:cond evt="onPrev" delay="0">
-                  <p:tgtEl>
-                    <p:sldTgt/>
-                  </p:tgtEl>
-                </p:cond>
-              </p:prevCondLst>
-              <p:nextCondLst>
-                <p:cond evt="onNext" delay="0">
-                  <p:tgtEl>
-                    <p:sldTgt/>
-                  </p:tgtEl>
-                </p:cond>
-              </p:nextCondLst>
-            </p:seq>
-          </p:childTnLst>
-        </p:cTn>
-      </p:par>
-    </p:tnLst>
-    <p:bldLst>
-      <p:bldP spid="7" grpId="0"/>
-      <p:bldP spid="8" grpId="0"/>
-    </p:bldLst>
-  </p:timing>
-</p:sld>
-</file>
-
 <file path=ppt/slides/slide16.xml><?xml version="1.0" encoding="utf-8"?>
 <p:sld xmlns:a="http://schemas.openxmlformats.org/drawingml/2006/main" xmlns:r="http://schemas.openxmlformats.org/officeDocument/2006/relationships" xmlns:p="http://schemas.openxmlformats.org/presentationml/2006/main">
   <p:cSld>
@@ -15781,7 +15544,7 @@
                   <a:srgbClr val="FF0000"/>
                 </a:solidFill>
               </a:rPr>
-              <a:t>Conclusion – Retour sur les Objectifs</a:t>
+              <a:t>Conclusion – Aléas du projet</a:t>
             </a:r>
           </a:p>
         </p:txBody>
@@ -15809,13 +15572,26 @@
           <a:lstStyle/>
           <a:p>
             <a:pPr>
+              <a:buClr>
+                <a:schemeClr val="accent4">
+                  <a:lumMod val="20000"/>
+                  <a:lumOff val="80000"/>
+                </a:schemeClr>
+              </a:buClr>
+              <a:buSzPct val="100000"/>
               <a:buFont typeface="Wingdings" panose="05000000000000000000" pitchFamily="2" charset="2"/>
               <a:buChar char="Ø"/>
             </a:pPr>
             <a:r>
               <a:rPr lang="fr-FR" sz="2800" dirty="0"/>
-              <a:t>Toutes les fonctionnalités réalisées </a:t>
+              <a:t>GitHub </a:t>
             </a:r>
+          </a:p>
+          <a:p>
+            <a:pPr marL="0" indent="0">
+              <a:buNone/>
+            </a:pPr>
+            <a:endParaRPr lang="fr-FR" sz="2800" dirty="0"/>
           </a:p>
           <a:p>
             <a:pPr marL="0" indent="0">
@@ -15833,8 +15609,8 @@
         </p:nvSpPr>
         <p:spPr>
           <a:xfrm rot="10800000" flipV="1">
-            <a:off x="1103310" y="3079488"/>
-            <a:ext cx="7987935" cy="523220"/>
+            <a:off x="1103311" y="3079488"/>
+            <a:ext cx="3846757" cy="523220"/>
           </a:xfrm>
           <a:prstGeom prst="rect">
             <a:avLst/>
@@ -15847,22 +15623,27 @@
           </a:bodyPr>
           <a:lstStyle/>
           <a:p>
-            <a:pPr marL="457200" indent="-457200">
+            <a:pPr>
               <a:buFont typeface="Wingdings" panose="05000000000000000000" pitchFamily="2" charset="2"/>
               <a:buChar char="Ø"/>
             </a:pPr>
             <a:r>
-              <a:rPr lang="fr-FR" sz="2800" dirty="0"/>
-              <a:t>Compétences en </a:t>
-            </a:r>
-            <a:r>
-              <a:rPr lang="fr-FR" sz="2800" dirty="0" err="1"/>
-              <a:t>dev</a:t>
+              <a:rPr lang="fr-FR" sz="2400" dirty="0"/>
+              <a:t> </a:t>
             </a:r>
             <a:r>
               <a:rPr lang="fr-FR" sz="2800" dirty="0"/>
-              <a:t>. &amp; gestion de projet</a:t>
+              <a:t>Responsive</a:t>
             </a:r>
+            <a:r>
+              <a:rPr lang="fr-FR" sz="2400" dirty="0"/>
+              <a:t> </a:t>
+            </a:r>
+            <a:r>
+              <a:rPr lang="fr-FR" sz="2800" dirty="0"/>
+              <a:t>Design</a:t>
+            </a:r>
+            <a:endParaRPr lang="fr-FR" sz="2400" dirty="0"/>
           </a:p>
         </p:txBody>
       </p:sp>
@@ -15874,15 +15655,15 @@
         </p:nvSpPr>
         <p:spPr>
           <a:xfrm>
-            <a:off x="1103310" y="3903827"/>
-            <a:ext cx="8322043" cy="800219"/>
+            <a:off x="1103311" y="3903827"/>
+            <a:ext cx="6096000" cy="800219"/>
           </a:xfrm>
           <a:prstGeom prst="rect">
             <a:avLst/>
           </a:prstGeom>
         </p:spPr>
         <p:txBody>
-          <a:bodyPr wrap="square">
+          <a:bodyPr>
             <a:spAutoFit/>
           </a:bodyPr>
           <a:lstStyle/>
@@ -15900,14 +15681,19 @@
             </a:pPr>
             <a:r>
               <a:rPr lang="fr-FR" sz="2800" dirty="0"/>
-              <a:t> Avancement sur le projet global</a:t>
+              <a:t> </a:t>
             </a:r>
+            <a:r>
+              <a:rPr lang="fr-FR" sz="2800" dirty="0" err="1"/>
+              <a:t>IntelliJ</a:t>
+            </a:r>
+            <a:endParaRPr lang="fr-FR" sz="2800" dirty="0"/>
           </a:p>
         </p:txBody>
       </p:sp>
       <p:sp>
         <p:nvSpPr>
-          <p:cNvPr id="3" name="Espace réservé du numéro de diapositive 2"/>
+          <p:cNvPr id="9" name="Espace réservé du numéro de diapositive 8"/>
           <p:cNvSpPr>
             <a:spLocks noGrp="1"/>
           </p:cNvSpPr>
@@ -15931,7 +15717,7 @@
     </p:spTree>
     <p:extLst>
       <p:ext uri="{BB962C8B-B14F-4D97-AF65-F5344CB8AC3E}">
-        <p14:creationId xmlns:p14="http://schemas.microsoft.com/office/powerpoint/2010/main" val="440421832"/>
+        <p14:creationId xmlns:p14="http://schemas.microsoft.com/office/powerpoint/2010/main" val="923378494"/>
       </p:ext>
     </p:extLst>
   </p:cSld>
@@ -16124,7 +15910,7 @@
                   <a:srgbClr val="FF0000"/>
                 </a:solidFill>
               </a:rPr>
-              <a:t>Conclusion – Perspectives d’évolution</a:t>
+              <a:t>Conclusion – Retour sur les Objectifs</a:t>
             </a:r>
           </a:p>
         </p:txBody>
@@ -16152,12 +15938,16 @@
           <a:lstStyle/>
           <a:p>
             <a:pPr>
+              <a:buClr>
+                <a:schemeClr val="tx1"/>
+              </a:buClr>
+              <a:buSzPct val="100000"/>
               <a:buFont typeface="Wingdings" panose="05000000000000000000" pitchFamily="2" charset="2"/>
-              <a:buChar char="Ø"/>
+              <a:buChar char="ü"/>
             </a:pPr>
             <a:r>
               <a:rPr lang="fr-FR" sz="2800" dirty="0"/>
-              <a:t>Nouvelles fonctionnalités</a:t>
+              <a:t> Toutes les fonctionnalités réalisées </a:t>
             </a:r>
           </a:p>
           <a:p>
@@ -16192,11 +15982,19 @@
           <a:p>
             <a:pPr marL="457200" indent="-457200">
               <a:buFont typeface="Wingdings" panose="05000000000000000000" pitchFamily="2" charset="2"/>
-              <a:buChar char="Ø"/>
+              <a:buChar char="ü"/>
             </a:pPr>
             <a:r>
               <a:rPr lang="fr-FR" sz="2800" dirty="0"/>
-              <a:t>Développement du jeu </a:t>
+              <a:t>Compétences en </a:t>
+            </a:r>
+            <a:r>
+              <a:rPr lang="fr-FR" sz="2800" dirty="0" err="1"/>
+              <a:t>dev</a:t>
+            </a:r>
+            <a:r>
+              <a:rPr lang="fr-FR" sz="2800" dirty="0"/>
+              <a:t>. &amp; gestion de projet</a:t>
             </a:r>
           </a:p>
         </p:txBody>
@@ -16209,8 +16007,8 @@
         </p:nvSpPr>
         <p:spPr>
           <a:xfrm>
-            <a:off x="1103310" y="4070881"/>
-            <a:ext cx="8322043" cy="523220"/>
+            <a:off x="1103310" y="3903827"/>
+            <a:ext cx="8322043" cy="800219"/>
           </a:xfrm>
           <a:prstGeom prst="rect">
             <a:avLst/>
@@ -16226,11 +16024,17 @@
               <a:buFont typeface="Wingdings" panose="05000000000000000000" pitchFamily="2" charset="2"/>
               <a:buChar char="Ø"/>
             </a:pPr>
+            <a:endParaRPr lang="fr-FR" dirty="0"/>
+          </a:p>
+          <a:p>
+            <a:pPr marL="457200" indent="-457200">
+              <a:buFont typeface="Wingdings" panose="05000000000000000000" pitchFamily="2" charset="2"/>
+              <a:buChar char="ü"/>
+            </a:pPr>
             <a:r>
               <a:rPr lang="fr-FR" sz="2800" dirty="0"/>
-              <a:t> Création et ajout de contenus</a:t>
+              <a:t>Avancement sur le projet global</a:t>
             </a:r>
-            <a:endParaRPr lang="fr-FR" dirty="0"/>
           </a:p>
         </p:txBody>
       </p:sp>
@@ -16260,7 +16064,7 @@
     </p:spTree>
     <p:extLst>
       <p:ext uri="{BB962C8B-B14F-4D97-AF65-F5344CB8AC3E}">
-        <p14:creationId xmlns:p14="http://schemas.microsoft.com/office/powerpoint/2010/main" val="1992383189"/>
+        <p14:creationId xmlns:p14="http://schemas.microsoft.com/office/powerpoint/2010/main" val="440421832"/>
       </p:ext>
     </p:extLst>
   </p:cSld>
@@ -16439,6 +16243,342 @@
         </p:nvSpPr>
         <p:spPr>
           <a:xfrm>
+            <a:off x="1498965" y="274326"/>
+            <a:ext cx="9404723" cy="1400530"/>
+          </a:xfrm>
+        </p:spPr>
+        <p:txBody>
+          <a:bodyPr/>
+          <a:lstStyle/>
+          <a:p>
+            <a:r>
+              <a:rPr lang="fr-FR" sz="3200" dirty="0">
+                <a:solidFill>
+                  <a:srgbClr val="FF0000"/>
+                </a:solidFill>
+              </a:rPr>
+              <a:t>Conclusion – Perspectives d’évolution</a:t>
+            </a:r>
+          </a:p>
+        </p:txBody>
+      </p:sp>
+      <p:sp>
+        <p:nvSpPr>
+          <p:cNvPr id="6" name="Espace réservé du contenu 5"/>
+          <p:cNvSpPr>
+            <a:spLocks noGrp="1"/>
+          </p:cNvSpPr>
+          <p:nvPr>
+            <p:ph idx="1"/>
+          </p:nvPr>
+        </p:nvSpPr>
+        <p:spPr>
+          <a:xfrm>
+            <a:off x="1103312" y="2052918"/>
+            <a:ext cx="8946541" cy="725451"/>
+          </a:xfrm>
+        </p:spPr>
+        <p:txBody>
+          <a:bodyPr>
+            <a:normAutofit/>
+          </a:bodyPr>
+          <a:lstStyle/>
+          <a:p>
+            <a:pPr>
+              <a:buClr>
+                <a:schemeClr val="accent4">
+                  <a:lumMod val="20000"/>
+                  <a:lumOff val="80000"/>
+                </a:schemeClr>
+              </a:buClr>
+              <a:buSzPct val="100000"/>
+              <a:buFont typeface="Wingdings" panose="05000000000000000000" pitchFamily="2" charset="2"/>
+              <a:buChar char="Ø"/>
+            </a:pPr>
+            <a:r>
+              <a:rPr lang="fr-FR" sz="2800" dirty="0"/>
+              <a:t> Nouvelles fonctionnalités</a:t>
+            </a:r>
+          </a:p>
+          <a:p>
+            <a:pPr marL="0" indent="0">
+              <a:buNone/>
+            </a:pPr>
+            <a:endParaRPr lang="fr-FR" sz="2800" dirty="0"/>
+          </a:p>
+        </p:txBody>
+      </p:sp>
+      <p:sp>
+        <p:nvSpPr>
+          <p:cNvPr id="7" name="ZoneTexte 6"/>
+          <p:cNvSpPr txBox="1"/>
+          <p:nvPr/>
+        </p:nvSpPr>
+        <p:spPr>
+          <a:xfrm rot="10800000" flipV="1">
+            <a:off x="1103310" y="3079488"/>
+            <a:ext cx="7987935" cy="523220"/>
+          </a:xfrm>
+          <a:prstGeom prst="rect">
+            <a:avLst/>
+          </a:prstGeom>
+          <a:noFill/>
+        </p:spPr>
+        <p:txBody>
+          <a:bodyPr wrap="square" rtlCol="0">
+            <a:spAutoFit/>
+          </a:bodyPr>
+          <a:lstStyle/>
+          <a:p>
+            <a:pPr marL="457200" indent="-457200">
+              <a:buFont typeface="Wingdings" panose="05000000000000000000" pitchFamily="2" charset="2"/>
+              <a:buChar char="Ø"/>
+            </a:pPr>
+            <a:r>
+              <a:rPr lang="fr-FR" sz="2800" dirty="0"/>
+              <a:t>Développement du jeu </a:t>
+            </a:r>
+          </a:p>
+        </p:txBody>
+      </p:sp>
+      <p:sp>
+        <p:nvSpPr>
+          <p:cNvPr id="8" name="Rectangle 7"/>
+          <p:cNvSpPr/>
+          <p:nvPr/>
+        </p:nvSpPr>
+        <p:spPr>
+          <a:xfrm>
+            <a:off x="1103310" y="4070881"/>
+            <a:ext cx="8322043" cy="523220"/>
+          </a:xfrm>
+          <a:prstGeom prst="rect">
+            <a:avLst/>
+          </a:prstGeom>
+        </p:spPr>
+        <p:txBody>
+          <a:bodyPr wrap="square">
+            <a:spAutoFit/>
+          </a:bodyPr>
+          <a:lstStyle/>
+          <a:p>
+            <a:pPr>
+              <a:buFont typeface="Wingdings" panose="05000000000000000000" pitchFamily="2" charset="2"/>
+              <a:buChar char="Ø"/>
+            </a:pPr>
+            <a:r>
+              <a:rPr lang="fr-FR" sz="2800" dirty="0"/>
+              <a:t>  Création et ajout de contenus</a:t>
+            </a:r>
+            <a:endParaRPr lang="fr-FR" dirty="0"/>
+          </a:p>
+        </p:txBody>
+      </p:sp>
+      <p:sp>
+        <p:nvSpPr>
+          <p:cNvPr id="3" name="Espace réservé du numéro de diapositive 2"/>
+          <p:cNvSpPr>
+            <a:spLocks noGrp="1"/>
+          </p:cNvSpPr>
+          <p:nvPr>
+            <p:ph type="sldNum" sz="quarter" idx="12"/>
+          </p:nvPr>
+        </p:nvSpPr>
+        <p:spPr/>
+        <p:txBody>
+          <a:bodyPr/>
+          <a:lstStyle/>
+          <a:p>
+            <a:fld id="{D57F1E4F-1CFF-5643-939E-02111984F565}" type="slidenum">
+              <a:rPr lang="en-US" smtClean="0"/>
+              <a:t>18</a:t>
+            </a:fld>
+            <a:endParaRPr lang="en-US" dirty="0"/>
+          </a:p>
+        </p:txBody>
+      </p:sp>
+    </p:spTree>
+    <p:extLst>
+      <p:ext uri="{BB962C8B-B14F-4D97-AF65-F5344CB8AC3E}">
+        <p14:creationId xmlns:p14="http://schemas.microsoft.com/office/powerpoint/2010/main" val="1992383189"/>
+      </p:ext>
+    </p:extLst>
+  </p:cSld>
+  <p:clrMapOvr>
+    <a:masterClrMapping/>
+  </p:clrMapOvr>
+  <p:timing>
+    <p:tnLst>
+      <p:par>
+        <p:cTn id="1" dur="indefinite" restart="never" nodeType="tmRoot">
+          <p:childTnLst>
+            <p:seq concurrent="1" nextAc="seek">
+              <p:cTn id="2" dur="indefinite" nodeType="mainSeq">
+                <p:childTnLst>
+                  <p:par>
+                    <p:cTn id="3" fill="hold">
+                      <p:stCondLst>
+                        <p:cond delay="indefinite"/>
+                      </p:stCondLst>
+                      <p:childTnLst>
+                        <p:par>
+                          <p:cTn id="4" fill="hold">
+                            <p:stCondLst>
+                              <p:cond delay="0"/>
+                            </p:stCondLst>
+                            <p:childTnLst>
+                              <p:par>
+                                <p:cTn id="5" presetID="10" presetClass="entr" presetSubtype="0" fill="hold" grpId="0" nodeType="clickEffect">
+                                  <p:stCondLst>
+                                    <p:cond delay="0"/>
+                                  </p:stCondLst>
+                                  <p:childTnLst>
+                                    <p:set>
+                                      <p:cBhvr>
+                                        <p:cTn id="6" dur="1" fill="hold">
+                                          <p:stCondLst>
+                                            <p:cond delay="0"/>
+                                          </p:stCondLst>
+                                        </p:cTn>
+                                        <p:tgtEl>
+                                          <p:spTgt spid="7"/>
+                                        </p:tgtEl>
+                                        <p:attrNameLst>
+                                          <p:attrName>style.visibility</p:attrName>
+                                        </p:attrNameLst>
+                                      </p:cBhvr>
+                                      <p:to>
+                                        <p:strVal val="visible"/>
+                                      </p:to>
+                                    </p:set>
+                                    <p:animEffect transition="in" filter="fade">
+                                      <p:cBhvr>
+                                        <p:cTn id="7" dur="500"/>
+                                        <p:tgtEl>
+                                          <p:spTgt spid="7"/>
+                                        </p:tgtEl>
+                                      </p:cBhvr>
+                                    </p:animEffect>
+                                  </p:childTnLst>
+                                </p:cTn>
+                              </p:par>
+                            </p:childTnLst>
+                          </p:cTn>
+                        </p:par>
+                      </p:childTnLst>
+                    </p:cTn>
+                  </p:par>
+                  <p:par>
+                    <p:cTn id="8" fill="hold">
+                      <p:stCondLst>
+                        <p:cond delay="indefinite"/>
+                      </p:stCondLst>
+                      <p:childTnLst>
+                        <p:par>
+                          <p:cTn id="9" fill="hold">
+                            <p:stCondLst>
+                              <p:cond delay="0"/>
+                            </p:stCondLst>
+                            <p:childTnLst>
+                              <p:par>
+                                <p:cTn id="10" presetID="10" presetClass="entr" presetSubtype="0" fill="hold" grpId="0" nodeType="clickEffect">
+                                  <p:stCondLst>
+                                    <p:cond delay="0"/>
+                                  </p:stCondLst>
+                                  <p:childTnLst>
+                                    <p:set>
+                                      <p:cBhvr>
+                                        <p:cTn id="11" dur="1" fill="hold">
+                                          <p:stCondLst>
+                                            <p:cond delay="0"/>
+                                          </p:stCondLst>
+                                        </p:cTn>
+                                        <p:tgtEl>
+                                          <p:spTgt spid="8"/>
+                                        </p:tgtEl>
+                                        <p:attrNameLst>
+                                          <p:attrName>style.visibility</p:attrName>
+                                        </p:attrNameLst>
+                                      </p:cBhvr>
+                                      <p:to>
+                                        <p:strVal val="visible"/>
+                                      </p:to>
+                                    </p:set>
+                                    <p:animEffect transition="in" filter="fade">
+                                      <p:cBhvr>
+                                        <p:cTn id="12" dur="500"/>
+                                        <p:tgtEl>
+                                          <p:spTgt spid="8"/>
+                                        </p:tgtEl>
+                                      </p:cBhvr>
+                                    </p:animEffect>
+                                  </p:childTnLst>
+                                </p:cTn>
+                              </p:par>
+                            </p:childTnLst>
+                          </p:cTn>
+                        </p:par>
+                      </p:childTnLst>
+                    </p:cTn>
+                  </p:par>
+                </p:childTnLst>
+              </p:cTn>
+              <p:prevCondLst>
+                <p:cond evt="onPrev" delay="0">
+                  <p:tgtEl>
+                    <p:sldTgt/>
+                  </p:tgtEl>
+                </p:cond>
+              </p:prevCondLst>
+              <p:nextCondLst>
+                <p:cond evt="onNext" delay="0">
+                  <p:tgtEl>
+                    <p:sldTgt/>
+                  </p:tgtEl>
+                </p:cond>
+              </p:nextCondLst>
+            </p:seq>
+          </p:childTnLst>
+        </p:cTn>
+      </p:par>
+    </p:tnLst>
+    <p:bldLst>
+      <p:bldP spid="7" grpId="0"/>
+      <p:bldP spid="8" grpId="0"/>
+    </p:bldLst>
+  </p:timing>
+</p:sld>
+</file>
+
+<file path=ppt/slides/slide19.xml><?xml version="1.0" encoding="utf-8"?>
+<p:sld xmlns:a="http://schemas.openxmlformats.org/drawingml/2006/main" xmlns:r="http://schemas.openxmlformats.org/officeDocument/2006/relationships" xmlns:p="http://schemas.openxmlformats.org/presentationml/2006/main">
+  <p:cSld>
+    <p:spTree>
+      <p:nvGrpSpPr>
+        <p:cNvPr id="1" name=""/>
+        <p:cNvGrpSpPr/>
+        <p:nvPr/>
+      </p:nvGrpSpPr>
+      <p:grpSpPr>
+        <a:xfrm>
+          <a:off x="0" y="0"/>
+          <a:ext cx="0" cy="0"/>
+          <a:chOff x="0" y="0"/>
+          <a:chExt cx="0" cy="0"/>
+        </a:xfrm>
+      </p:grpSpPr>
+      <p:sp>
+        <p:nvSpPr>
+          <p:cNvPr id="2" name="Titre 1"/>
+          <p:cNvSpPr>
+            <a:spLocks noGrp="1"/>
+          </p:cNvSpPr>
+          <p:nvPr>
+            <p:ph type="title"/>
+          </p:nvPr>
+        </p:nvSpPr>
+        <p:spPr>
+          <a:xfrm>
             <a:off x="3529988" y="426341"/>
             <a:ext cx="9404723" cy="734244"/>
           </a:xfrm>
@@ -16668,7 +16808,7 @@
           <a:p>
             <a:fld id="{D57F1E4F-1CFF-5643-939E-02111984F565}" type="slidenum">
               <a:rPr lang="en-US" smtClean="0"/>
-              <a:t>18</a:t>
+              <a:t>19</a:t>
             </a:fld>
             <a:endParaRPr lang="en-US" dirty="0"/>
           </a:p>
@@ -16688,6 +16828,1130 @@
 </file>
 
 <file path=ppt/slides/slide2.xml><?xml version="1.0" encoding="utf-8"?>
+<p:sld xmlns:a="http://schemas.openxmlformats.org/drawingml/2006/main" xmlns:r="http://schemas.openxmlformats.org/officeDocument/2006/relationships" xmlns:p="http://schemas.openxmlformats.org/presentationml/2006/main">
+  <p:cSld>
+    <p:spTree>
+      <p:nvGrpSpPr>
+        <p:cNvPr id="1" name=""/>
+        <p:cNvGrpSpPr/>
+        <p:nvPr/>
+      </p:nvGrpSpPr>
+      <p:grpSpPr>
+        <a:xfrm>
+          <a:off x="0" y="0"/>
+          <a:ext cx="0" cy="0"/>
+          <a:chOff x="0" y="0"/>
+          <a:chExt cx="0" cy="0"/>
+        </a:xfrm>
+      </p:grpSpPr>
+      <p:sp>
+        <p:nvSpPr>
+          <p:cNvPr id="2" name="Titre 1"/>
+          <p:cNvSpPr>
+            <a:spLocks noGrp="1"/>
+          </p:cNvSpPr>
+          <p:nvPr>
+            <p:ph type="title"/>
+          </p:nvPr>
+        </p:nvSpPr>
+        <p:spPr>
+          <a:xfrm>
+            <a:off x="2411411" y="295729"/>
+            <a:ext cx="9404723" cy="1400530"/>
+          </a:xfrm>
+        </p:spPr>
+        <p:txBody>
+          <a:bodyPr/>
+          <a:lstStyle/>
+          <a:p>
+            <a:r>
+              <a:rPr lang="fr-FR" dirty="0"/>
+              <a:t>Plan de la présentation </a:t>
+            </a:r>
+          </a:p>
+        </p:txBody>
+      </p:sp>
+      <p:sp>
+        <p:nvSpPr>
+          <p:cNvPr id="3" name="Espace réservé du contenu 2"/>
+          <p:cNvSpPr>
+            <a:spLocks noGrp="1"/>
+          </p:cNvSpPr>
+          <p:nvPr>
+            <p:ph idx="1"/>
+          </p:nvPr>
+        </p:nvSpPr>
+        <p:spPr>
+          <a:xfrm>
+            <a:off x="646111" y="1735418"/>
+            <a:ext cx="8946541" cy="982382"/>
+          </a:xfrm>
+        </p:spPr>
+        <p:txBody>
+          <a:bodyPr>
+            <a:normAutofit/>
+          </a:bodyPr>
+          <a:lstStyle/>
+          <a:p>
+            <a:r>
+              <a:rPr lang="fr-FR" dirty="0"/>
+              <a:t>Introduction</a:t>
+            </a:r>
+          </a:p>
+          <a:p>
+            <a:pPr lvl="1">
+              <a:buFont typeface="Wingdings" panose="05000000000000000000" pitchFamily="2" charset="2"/>
+              <a:buChar char="Ø"/>
+            </a:pPr>
+            <a:r>
+              <a:rPr lang="fr-FR" dirty="0"/>
+              <a:t>Rappel du sujet et des objectifs</a:t>
+            </a:r>
+          </a:p>
+          <a:p>
+            <a:pPr marL="457200" lvl="1" indent="0">
+              <a:buNone/>
+            </a:pPr>
+            <a:endParaRPr lang="fr-FR" dirty="0"/>
+          </a:p>
+        </p:txBody>
+      </p:sp>
+      <p:sp>
+        <p:nvSpPr>
+          <p:cNvPr id="4" name="Espace réservé du numéro de diapositive 3"/>
+          <p:cNvSpPr>
+            <a:spLocks noGrp="1"/>
+          </p:cNvSpPr>
+          <p:nvPr>
+            <p:ph type="sldNum" sz="quarter" idx="12"/>
+          </p:nvPr>
+        </p:nvSpPr>
+        <p:spPr/>
+        <p:txBody>
+          <a:bodyPr/>
+          <a:lstStyle/>
+          <a:p>
+            <a:fld id="{D57F1E4F-1CFF-5643-939E-02111984F565}" type="slidenum">
+              <a:rPr lang="en-US" smtClean="0"/>
+              <a:t>2</a:t>
+            </a:fld>
+            <a:endParaRPr lang="en-US" dirty="0"/>
+          </a:p>
+        </p:txBody>
+      </p:sp>
+      <p:sp>
+        <p:nvSpPr>
+          <p:cNvPr id="9" name="Espace réservé du contenu 2"/>
+          <p:cNvSpPr txBox="1">
+            <a:spLocks/>
+          </p:cNvSpPr>
+          <p:nvPr/>
+        </p:nvSpPr>
+        <p:spPr>
+          <a:xfrm>
+            <a:off x="646107" y="2796118"/>
+            <a:ext cx="8946541" cy="982382"/>
+          </a:xfrm>
+          <a:prstGeom prst="rect">
+            <a:avLst/>
+          </a:prstGeom>
+        </p:spPr>
+        <p:txBody>
+          <a:bodyPr vert="horz" lIns="91440" tIns="45720" rIns="91440" bIns="45720" rtlCol="0">
+            <a:normAutofit/>
+          </a:bodyPr>
+          <a:lstStyle>
+            <a:lvl1pPr marL="342900" indent="-342900" algn="l" defTabSz="457200" rtl="0" eaLnBrk="1" latinLnBrk="0" hangingPunct="1">
+              <a:spcBef>
+                <a:spcPts val="1000"/>
+              </a:spcBef>
+              <a:spcAft>
+                <a:spcPts val="0"/>
+              </a:spcAft>
+              <a:buClr>
+                <a:schemeClr val="bg2">
+                  <a:lumMod val="40000"/>
+                  <a:lumOff val="60000"/>
+                </a:schemeClr>
+              </a:buClr>
+              <a:buSzPct val="80000"/>
+              <a:buFont typeface="Wingdings 3" charset="2"/>
+              <a:buChar char=""/>
+              <a:defRPr sz="2000" b="0" i="0" kern="1200">
+                <a:solidFill>
+                  <a:schemeClr val="tx1"/>
+                </a:solidFill>
+                <a:latin typeface="+mj-lt"/>
+                <a:ea typeface="+mj-ea"/>
+                <a:cs typeface="+mj-cs"/>
+              </a:defRPr>
+            </a:lvl1pPr>
+            <a:lvl2pPr marL="742950" indent="-285750" algn="l" defTabSz="457200" rtl="0" eaLnBrk="1" latinLnBrk="0" hangingPunct="1">
+              <a:spcBef>
+                <a:spcPts val="1000"/>
+              </a:spcBef>
+              <a:spcAft>
+                <a:spcPts val="0"/>
+              </a:spcAft>
+              <a:buClr>
+                <a:schemeClr val="bg2">
+                  <a:lumMod val="40000"/>
+                  <a:lumOff val="60000"/>
+                </a:schemeClr>
+              </a:buClr>
+              <a:buSzPct val="80000"/>
+              <a:buFont typeface="Wingdings 3" charset="2"/>
+              <a:buChar char=""/>
+              <a:defRPr sz="1800" b="0" i="0" kern="1200">
+                <a:solidFill>
+                  <a:schemeClr val="tx1"/>
+                </a:solidFill>
+                <a:latin typeface="+mj-lt"/>
+                <a:ea typeface="+mj-ea"/>
+                <a:cs typeface="+mj-cs"/>
+              </a:defRPr>
+            </a:lvl2pPr>
+            <a:lvl3pPr marL="1143000" indent="-228600" algn="l" defTabSz="457200" rtl="0" eaLnBrk="1" latinLnBrk="0" hangingPunct="1">
+              <a:spcBef>
+                <a:spcPts val="1000"/>
+              </a:spcBef>
+              <a:spcAft>
+                <a:spcPts val="0"/>
+              </a:spcAft>
+              <a:buClr>
+                <a:schemeClr val="bg2">
+                  <a:lumMod val="40000"/>
+                  <a:lumOff val="60000"/>
+                </a:schemeClr>
+              </a:buClr>
+              <a:buSzPct val="80000"/>
+              <a:buFont typeface="Wingdings 3" charset="2"/>
+              <a:buChar char=""/>
+              <a:defRPr sz="1600" b="0" i="0" kern="1200">
+                <a:solidFill>
+                  <a:schemeClr val="tx1"/>
+                </a:solidFill>
+                <a:latin typeface="+mj-lt"/>
+                <a:ea typeface="+mj-ea"/>
+                <a:cs typeface="+mj-cs"/>
+              </a:defRPr>
+            </a:lvl3pPr>
+            <a:lvl4pPr marL="1600200" indent="-228600" algn="l" defTabSz="457200" rtl="0" eaLnBrk="1" latinLnBrk="0" hangingPunct="1">
+              <a:spcBef>
+                <a:spcPts val="1000"/>
+              </a:spcBef>
+              <a:spcAft>
+                <a:spcPts val="0"/>
+              </a:spcAft>
+              <a:buClr>
+                <a:schemeClr val="bg2">
+                  <a:lumMod val="40000"/>
+                  <a:lumOff val="60000"/>
+                </a:schemeClr>
+              </a:buClr>
+              <a:buSzPct val="80000"/>
+              <a:buFont typeface="Wingdings 3" charset="2"/>
+              <a:buChar char=""/>
+              <a:defRPr sz="1400" b="0" i="0" kern="1200">
+                <a:solidFill>
+                  <a:schemeClr val="tx1"/>
+                </a:solidFill>
+                <a:latin typeface="+mj-lt"/>
+                <a:ea typeface="+mj-ea"/>
+                <a:cs typeface="+mj-cs"/>
+              </a:defRPr>
+            </a:lvl4pPr>
+            <a:lvl5pPr marL="2057400" indent="-228600" algn="l" defTabSz="457200" rtl="0" eaLnBrk="1" latinLnBrk="0" hangingPunct="1">
+              <a:spcBef>
+                <a:spcPts val="1000"/>
+              </a:spcBef>
+              <a:spcAft>
+                <a:spcPts val="0"/>
+              </a:spcAft>
+              <a:buClr>
+                <a:schemeClr val="bg2">
+                  <a:lumMod val="40000"/>
+                  <a:lumOff val="60000"/>
+                </a:schemeClr>
+              </a:buClr>
+              <a:buSzPct val="80000"/>
+              <a:buFont typeface="Wingdings 3" charset="2"/>
+              <a:buChar char=""/>
+              <a:defRPr sz="1400" b="0" i="0" kern="1200">
+                <a:solidFill>
+                  <a:schemeClr val="tx1"/>
+                </a:solidFill>
+                <a:latin typeface="+mj-lt"/>
+                <a:ea typeface="+mj-ea"/>
+                <a:cs typeface="+mj-cs"/>
+              </a:defRPr>
+            </a:lvl5pPr>
+            <a:lvl6pPr marL="2506000" indent="-228600" algn="l" defTabSz="457200" rtl="0" eaLnBrk="1" latinLnBrk="0" hangingPunct="1">
+              <a:spcBef>
+                <a:spcPts val="1000"/>
+              </a:spcBef>
+              <a:spcAft>
+                <a:spcPts val="0"/>
+              </a:spcAft>
+              <a:buClr>
+                <a:schemeClr val="bg2">
+                  <a:lumMod val="40000"/>
+                  <a:lumOff val="60000"/>
+                </a:schemeClr>
+              </a:buClr>
+              <a:buSzPct val="80000"/>
+              <a:buFont typeface="Wingdings 3" charset="2"/>
+              <a:buChar char=""/>
+              <a:defRPr sz="1400" b="0" i="0" kern="1200">
+                <a:solidFill>
+                  <a:schemeClr val="tx1"/>
+                </a:solidFill>
+                <a:latin typeface="+mj-lt"/>
+                <a:ea typeface="+mj-ea"/>
+                <a:cs typeface="+mj-cs"/>
+              </a:defRPr>
+            </a:lvl6pPr>
+            <a:lvl7pPr marL="2971800" indent="-228600" algn="l" defTabSz="457200" rtl="0" eaLnBrk="1" latinLnBrk="0" hangingPunct="1">
+              <a:spcBef>
+                <a:spcPts val="1000"/>
+              </a:spcBef>
+              <a:spcAft>
+                <a:spcPts val="0"/>
+              </a:spcAft>
+              <a:buClr>
+                <a:schemeClr val="bg2">
+                  <a:lumMod val="40000"/>
+                  <a:lumOff val="60000"/>
+                </a:schemeClr>
+              </a:buClr>
+              <a:buSzPct val="80000"/>
+              <a:buFont typeface="Wingdings 3" charset="2"/>
+              <a:buChar char=""/>
+              <a:defRPr sz="1400" b="0" i="0" kern="1200">
+                <a:solidFill>
+                  <a:schemeClr val="tx1"/>
+                </a:solidFill>
+                <a:latin typeface="+mj-lt"/>
+                <a:ea typeface="+mj-ea"/>
+                <a:cs typeface="+mj-cs"/>
+              </a:defRPr>
+            </a:lvl7pPr>
+            <a:lvl8pPr marL="3429000" indent="-228600" algn="l" defTabSz="457200" rtl="0" eaLnBrk="1" latinLnBrk="0" hangingPunct="1">
+              <a:spcBef>
+                <a:spcPts val="1000"/>
+              </a:spcBef>
+              <a:spcAft>
+                <a:spcPts val="0"/>
+              </a:spcAft>
+              <a:buClr>
+                <a:schemeClr val="bg2">
+                  <a:lumMod val="40000"/>
+                  <a:lumOff val="60000"/>
+                </a:schemeClr>
+              </a:buClr>
+              <a:buSzPct val="80000"/>
+              <a:buFont typeface="Wingdings 3" charset="2"/>
+              <a:buChar char=""/>
+              <a:defRPr sz="1400" b="0" i="0" kern="1200">
+                <a:solidFill>
+                  <a:schemeClr val="tx1"/>
+                </a:solidFill>
+                <a:latin typeface="+mj-lt"/>
+                <a:ea typeface="+mj-ea"/>
+                <a:cs typeface="+mj-cs"/>
+              </a:defRPr>
+            </a:lvl8pPr>
+            <a:lvl9pPr marL="3886200" indent="-228600" algn="l" defTabSz="457200" rtl="0" eaLnBrk="1" latinLnBrk="0" hangingPunct="1">
+              <a:spcBef>
+                <a:spcPts val="1000"/>
+              </a:spcBef>
+              <a:spcAft>
+                <a:spcPts val="0"/>
+              </a:spcAft>
+              <a:buClr>
+                <a:schemeClr val="bg2">
+                  <a:lumMod val="40000"/>
+                  <a:lumOff val="60000"/>
+                </a:schemeClr>
+              </a:buClr>
+              <a:buSzPct val="80000"/>
+              <a:buFont typeface="Wingdings 3" charset="2"/>
+              <a:buChar char=""/>
+              <a:defRPr sz="1400" b="0" i="0" kern="1200">
+                <a:solidFill>
+                  <a:schemeClr val="tx1"/>
+                </a:solidFill>
+                <a:latin typeface="+mj-lt"/>
+                <a:ea typeface="+mj-ea"/>
+                <a:cs typeface="+mj-cs"/>
+              </a:defRPr>
+            </a:lvl9pPr>
+          </a:lstStyle>
+          <a:p>
+            <a:r>
+              <a:rPr lang="fr-FR" dirty="0"/>
+              <a:t>Cahier des charges </a:t>
+            </a:r>
+          </a:p>
+          <a:p>
+            <a:pPr lvl="1">
+              <a:buFont typeface="Wingdings" panose="05000000000000000000" pitchFamily="2" charset="2"/>
+              <a:buChar char="Ø"/>
+            </a:pPr>
+            <a:r>
+              <a:rPr lang="fr-FR" dirty="0"/>
+              <a:t>Fonctionnalités et tests</a:t>
+            </a:r>
+          </a:p>
+        </p:txBody>
+      </p:sp>
+      <p:sp>
+        <p:nvSpPr>
+          <p:cNvPr id="11" name="Espace réservé du contenu 2"/>
+          <p:cNvSpPr txBox="1">
+            <a:spLocks/>
+          </p:cNvSpPr>
+          <p:nvPr/>
+        </p:nvSpPr>
+        <p:spPr>
+          <a:xfrm>
+            <a:off x="646107" y="3856818"/>
+            <a:ext cx="8946541" cy="982382"/>
+          </a:xfrm>
+          <a:prstGeom prst="rect">
+            <a:avLst/>
+          </a:prstGeom>
+        </p:spPr>
+        <p:txBody>
+          <a:bodyPr vert="horz" lIns="91440" tIns="45720" rIns="91440" bIns="45720" rtlCol="0">
+            <a:normAutofit/>
+          </a:bodyPr>
+          <a:lstStyle>
+            <a:lvl1pPr marL="342900" indent="-342900" algn="l" defTabSz="457200" rtl="0" eaLnBrk="1" latinLnBrk="0" hangingPunct="1">
+              <a:spcBef>
+                <a:spcPts val="1000"/>
+              </a:spcBef>
+              <a:spcAft>
+                <a:spcPts val="0"/>
+              </a:spcAft>
+              <a:buClr>
+                <a:schemeClr val="bg2">
+                  <a:lumMod val="40000"/>
+                  <a:lumOff val="60000"/>
+                </a:schemeClr>
+              </a:buClr>
+              <a:buSzPct val="80000"/>
+              <a:buFont typeface="Wingdings 3" charset="2"/>
+              <a:buChar char=""/>
+              <a:defRPr sz="2000" b="0" i="0" kern="1200">
+                <a:solidFill>
+                  <a:schemeClr val="tx1"/>
+                </a:solidFill>
+                <a:latin typeface="+mj-lt"/>
+                <a:ea typeface="+mj-ea"/>
+                <a:cs typeface="+mj-cs"/>
+              </a:defRPr>
+            </a:lvl1pPr>
+            <a:lvl2pPr marL="742950" indent="-285750" algn="l" defTabSz="457200" rtl="0" eaLnBrk="1" latinLnBrk="0" hangingPunct="1">
+              <a:spcBef>
+                <a:spcPts val="1000"/>
+              </a:spcBef>
+              <a:spcAft>
+                <a:spcPts val="0"/>
+              </a:spcAft>
+              <a:buClr>
+                <a:schemeClr val="bg2">
+                  <a:lumMod val="40000"/>
+                  <a:lumOff val="60000"/>
+                </a:schemeClr>
+              </a:buClr>
+              <a:buSzPct val="80000"/>
+              <a:buFont typeface="Wingdings 3" charset="2"/>
+              <a:buChar char=""/>
+              <a:defRPr sz="1800" b="0" i="0" kern="1200">
+                <a:solidFill>
+                  <a:schemeClr val="tx1"/>
+                </a:solidFill>
+                <a:latin typeface="+mj-lt"/>
+                <a:ea typeface="+mj-ea"/>
+                <a:cs typeface="+mj-cs"/>
+              </a:defRPr>
+            </a:lvl2pPr>
+            <a:lvl3pPr marL="1143000" indent="-228600" algn="l" defTabSz="457200" rtl="0" eaLnBrk="1" latinLnBrk="0" hangingPunct="1">
+              <a:spcBef>
+                <a:spcPts val="1000"/>
+              </a:spcBef>
+              <a:spcAft>
+                <a:spcPts val="0"/>
+              </a:spcAft>
+              <a:buClr>
+                <a:schemeClr val="bg2">
+                  <a:lumMod val="40000"/>
+                  <a:lumOff val="60000"/>
+                </a:schemeClr>
+              </a:buClr>
+              <a:buSzPct val="80000"/>
+              <a:buFont typeface="Wingdings 3" charset="2"/>
+              <a:buChar char=""/>
+              <a:defRPr sz="1600" b="0" i="0" kern="1200">
+                <a:solidFill>
+                  <a:schemeClr val="tx1"/>
+                </a:solidFill>
+                <a:latin typeface="+mj-lt"/>
+                <a:ea typeface="+mj-ea"/>
+                <a:cs typeface="+mj-cs"/>
+              </a:defRPr>
+            </a:lvl3pPr>
+            <a:lvl4pPr marL="1600200" indent="-228600" algn="l" defTabSz="457200" rtl="0" eaLnBrk="1" latinLnBrk="0" hangingPunct="1">
+              <a:spcBef>
+                <a:spcPts val="1000"/>
+              </a:spcBef>
+              <a:spcAft>
+                <a:spcPts val="0"/>
+              </a:spcAft>
+              <a:buClr>
+                <a:schemeClr val="bg2">
+                  <a:lumMod val="40000"/>
+                  <a:lumOff val="60000"/>
+                </a:schemeClr>
+              </a:buClr>
+              <a:buSzPct val="80000"/>
+              <a:buFont typeface="Wingdings 3" charset="2"/>
+              <a:buChar char=""/>
+              <a:defRPr sz="1400" b="0" i="0" kern="1200">
+                <a:solidFill>
+                  <a:schemeClr val="tx1"/>
+                </a:solidFill>
+                <a:latin typeface="+mj-lt"/>
+                <a:ea typeface="+mj-ea"/>
+                <a:cs typeface="+mj-cs"/>
+              </a:defRPr>
+            </a:lvl4pPr>
+            <a:lvl5pPr marL="2057400" indent="-228600" algn="l" defTabSz="457200" rtl="0" eaLnBrk="1" latinLnBrk="0" hangingPunct="1">
+              <a:spcBef>
+                <a:spcPts val="1000"/>
+              </a:spcBef>
+              <a:spcAft>
+                <a:spcPts val="0"/>
+              </a:spcAft>
+              <a:buClr>
+                <a:schemeClr val="bg2">
+                  <a:lumMod val="40000"/>
+                  <a:lumOff val="60000"/>
+                </a:schemeClr>
+              </a:buClr>
+              <a:buSzPct val="80000"/>
+              <a:buFont typeface="Wingdings 3" charset="2"/>
+              <a:buChar char=""/>
+              <a:defRPr sz="1400" b="0" i="0" kern="1200">
+                <a:solidFill>
+                  <a:schemeClr val="tx1"/>
+                </a:solidFill>
+                <a:latin typeface="+mj-lt"/>
+                <a:ea typeface="+mj-ea"/>
+                <a:cs typeface="+mj-cs"/>
+              </a:defRPr>
+            </a:lvl5pPr>
+            <a:lvl6pPr marL="2506000" indent="-228600" algn="l" defTabSz="457200" rtl="0" eaLnBrk="1" latinLnBrk="0" hangingPunct="1">
+              <a:spcBef>
+                <a:spcPts val="1000"/>
+              </a:spcBef>
+              <a:spcAft>
+                <a:spcPts val="0"/>
+              </a:spcAft>
+              <a:buClr>
+                <a:schemeClr val="bg2">
+                  <a:lumMod val="40000"/>
+                  <a:lumOff val="60000"/>
+                </a:schemeClr>
+              </a:buClr>
+              <a:buSzPct val="80000"/>
+              <a:buFont typeface="Wingdings 3" charset="2"/>
+              <a:buChar char=""/>
+              <a:defRPr sz="1400" b="0" i="0" kern="1200">
+                <a:solidFill>
+                  <a:schemeClr val="tx1"/>
+                </a:solidFill>
+                <a:latin typeface="+mj-lt"/>
+                <a:ea typeface="+mj-ea"/>
+                <a:cs typeface="+mj-cs"/>
+              </a:defRPr>
+            </a:lvl6pPr>
+            <a:lvl7pPr marL="2971800" indent="-228600" algn="l" defTabSz="457200" rtl="0" eaLnBrk="1" latinLnBrk="0" hangingPunct="1">
+              <a:spcBef>
+                <a:spcPts val="1000"/>
+              </a:spcBef>
+              <a:spcAft>
+                <a:spcPts val="0"/>
+              </a:spcAft>
+              <a:buClr>
+                <a:schemeClr val="bg2">
+                  <a:lumMod val="40000"/>
+                  <a:lumOff val="60000"/>
+                </a:schemeClr>
+              </a:buClr>
+              <a:buSzPct val="80000"/>
+              <a:buFont typeface="Wingdings 3" charset="2"/>
+              <a:buChar char=""/>
+              <a:defRPr sz="1400" b="0" i="0" kern="1200">
+                <a:solidFill>
+                  <a:schemeClr val="tx1"/>
+                </a:solidFill>
+                <a:latin typeface="+mj-lt"/>
+                <a:ea typeface="+mj-ea"/>
+                <a:cs typeface="+mj-cs"/>
+              </a:defRPr>
+            </a:lvl7pPr>
+            <a:lvl8pPr marL="3429000" indent="-228600" algn="l" defTabSz="457200" rtl="0" eaLnBrk="1" latinLnBrk="0" hangingPunct="1">
+              <a:spcBef>
+                <a:spcPts val="1000"/>
+              </a:spcBef>
+              <a:spcAft>
+                <a:spcPts val="0"/>
+              </a:spcAft>
+              <a:buClr>
+                <a:schemeClr val="bg2">
+                  <a:lumMod val="40000"/>
+                  <a:lumOff val="60000"/>
+                </a:schemeClr>
+              </a:buClr>
+              <a:buSzPct val="80000"/>
+              <a:buFont typeface="Wingdings 3" charset="2"/>
+              <a:buChar char=""/>
+              <a:defRPr sz="1400" b="0" i="0" kern="1200">
+                <a:solidFill>
+                  <a:schemeClr val="tx1"/>
+                </a:solidFill>
+                <a:latin typeface="+mj-lt"/>
+                <a:ea typeface="+mj-ea"/>
+                <a:cs typeface="+mj-cs"/>
+              </a:defRPr>
+            </a:lvl8pPr>
+            <a:lvl9pPr marL="3886200" indent="-228600" algn="l" defTabSz="457200" rtl="0" eaLnBrk="1" latinLnBrk="0" hangingPunct="1">
+              <a:spcBef>
+                <a:spcPts val="1000"/>
+              </a:spcBef>
+              <a:spcAft>
+                <a:spcPts val="0"/>
+              </a:spcAft>
+              <a:buClr>
+                <a:schemeClr val="bg2">
+                  <a:lumMod val="40000"/>
+                  <a:lumOff val="60000"/>
+                </a:schemeClr>
+              </a:buClr>
+              <a:buSzPct val="80000"/>
+              <a:buFont typeface="Wingdings 3" charset="2"/>
+              <a:buChar char=""/>
+              <a:defRPr sz="1400" b="0" i="0" kern="1200">
+                <a:solidFill>
+                  <a:schemeClr val="tx1"/>
+                </a:solidFill>
+                <a:latin typeface="+mj-lt"/>
+                <a:ea typeface="+mj-ea"/>
+                <a:cs typeface="+mj-cs"/>
+              </a:defRPr>
+            </a:lvl9pPr>
+          </a:lstStyle>
+          <a:p>
+            <a:r>
+              <a:rPr lang="fr-FR" dirty="0"/>
+              <a:t>Méthodologie </a:t>
+            </a:r>
+          </a:p>
+          <a:p>
+            <a:pPr lvl="1">
+              <a:buFont typeface="Wingdings" panose="05000000000000000000" pitchFamily="2" charset="2"/>
+              <a:buChar char="Ø"/>
+            </a:pPr>
+            <a:r>
+              <a:rPr lang="fr-FR" dirty="0"/>
+              <a:t>Technologies, Architecture et découpe des taches</a:t>
+            </a:r>
+          </a:p>
+          <a:p>
+            <a:pPr marL="457200" lvl="1" indent="0">
+              <a:buFont typeface="Wingdings 3" charset="2"/>
+              <a:buNone/>
+            </a:pPr>
+            <a:endParaRPr lang="fr-FR" dirty="0"/>
+          </a:p>
+        </p:txBody>
+      </p:sp>
+      <p:sp>
+        <p:nvSpPr>
+          <p:cNvPr id="12" name="Espace réservé du contenu 2"/>
+          <p:cNvSpPr txBox="1">
+            <a:spLocks/>
+          </p:cNvSpPr>
+          <p:nvPr/>
+        </p:nvSpPr>
+        <p:spPr>
+          <a:xfrm>
+            <a:off x="646107" y="4917518"/>
+            <a:ext cx="8946541" cy="982382"/>
+          </a:xfrm>
+          <a:prstGeom prst="rect">
+            <a:avLst/>
+          </a:prstGeom>
+        </p:spPr>
+        <p:txBody>
+          <a:bodyPr vert="horz" lIns="91440" tIns="45720" rIns="91440" bIns="45720" rtlCol="0">
+            <a:normAutofit/>
+          </a:bodyPr>
+          <a:lstStyle>
+            <a:lvl1pPr marL="342900" indent="-342900" algn="l" defTabSz="457200" rtl="0" eaLnBrk="1" latinLnBrk="0" hangingPunct="1">
+              <a:spcBef>
+                <a:spcPts val="1000"/>
+              </a:spcBef>
+              <a:spcAft>
+                <a:spcPts val="0"/>
+              </a:spcAft>
+              <a:buClr>
+                <a:schemeClr val="bg2">
+                  <a:lumMod val="40000"/>
+                  <a:lumOff val="60000"/>
+                </a:schemeClr>
+              </a:buClr>
+              <a:buSzPct val="80000"/>
+              <a:buFont typeface="Wingdings 3" charset="2"/>
+              <a:buChar char=""/>
+              <a:defRPr sz="2000" b="0" i="0" kern="1200">
+                <a:solidFill>
+                  <a:schemeClr val="tx1"/>
+                </a:solidFill>
+                <a:latin typeface="+mj-lt"/>
+                <a:ea typeface="+mj-ea"/>
+                <a:cs typeface="+mj-cs"/>
+              </a:defRPr>
+            </a:lvl1pPr>
+            <a:lvl2pPr marL="742950" indent="-285750" algn="l" defTabSz="457200" rtl="0" eaLnBrk="1" latinLnBrk="0" hangingPunct="1">
+              <a:spcBef>
+                <a:spcPts val="1000"/>
+              </a:spcBef>
+              <a:spcAft>
+                <a:spcPts val="0"/>
+              </a:spcAft>
+              <a:buClr>
+                <a:schemeClr val="bg2">
+                  <a:lumMod val="40000"/>
+                  <a:lumOff val="60000"/>
+                </a:schemeClr>
+              </a:buClr>
+              <a:buSzPct val="80000"/>
+              <a:buFont typeface="Wingdings 3" charset="2"/>
+              <a:buChar char=""/>
+              <a:defRPr sz="1800" b="0" i="0" kern="1200">
+                <a:solidFill>
+                  <a:schemeClr val="tx1"/>
+                </a:solidFill>
+                <a:latin typeface="+mj-lt"/>
+                <a:ea typeface="+mj-ea"/>
+                <a:cs typeface="+mj-cs"/>
+              </a:defRPr>
+            </a:lvl2pPr>
+            <a:lvl3pPr marL="1143000" indent="-228600" algn="l" defTabSz="457200" rtl="0" eaLnBrk="1" latinLnBrk="0" hangingPunct="1">
+              <a:spcBef>
+                <a:spcPts val="1000"/>
+              </a:spcBef>
+              <a:spcAft>
+                <a:spcPts val="0"/>
+              </a:spcAft>
+              <a:buClr>
+                <a:schemeClr val="bg2">
+                  <a:lumMod val="40000"/>
+                  <a:lumOff val="60000"/>
+                </a:schemeClr>
+              </a:buClr>
+              <a:buSzPct val="80000"/>
+              <a:buFont typeface="Wingdings 3" charset="2"/>
+              <a:buChar char=""/>
+              <a:defRPr sz="1600" b="0" i="0" kern="1200">
+                <a:solidFill>
+                  <a:schemeClr val="tx1"/>
+                </a:solidFill>
+                <a:latin typeface="+mj-lt"/>
+                <a:ea typeface="+mj-ea"/>
+                <a:cs typeface="+mj-cs"/>
+              </a:defRPr>
+            </a:lvl3pPr>
+            <a:lvl4pPr marL="1600200" indent="-228600" algn="l" defTabSz="457200" rtl="0" eaLnBrk="1" latinLnBrk="0" hangingPunct="1">
+              <a:spcBef>
+                <a:spcPts val="1000"/>
+              </a:spcBef>
+              <a:spcAft>
+                <a:spcPts val="0"/>
+              </a:spcAft>
+              <a:buClr>
+                <a:schemeClr val="bg2">
+                  <a:lumMod val="40000"/>
+                  <a:lumOff val="60000"/>
+                </a:schemeClr>
+              </a:buClr>
+              <a:buSzPct val="80000"/>
+              <a:buFont typeface="Wingdings 3" charset="2"/>
+              <a:buChar char=""/>
+              <a:defRPr sz="1400" b="0" i="0" kern="1200">
+                <a:solidFill>
+                  <a:schemeClr val="tx1"/>
+                </a:solidFill>
+                <a:latin typeface="+mj-lt"/>
+                <a:ea typeface="+mj-ea"/>
+                <a:cs typeface="+mj-cs"/>
+              </a:defRPr>
+            </a:lvl4pPr>
+            <a:lvl5pPr marL="2057400" indent="-228600" algn="l" defTabSz="457200" rtl="0" eaLnBrk="1" latinLnBrk="0" hangingPunct="1">
+              <a:spcBef>
+                <a:spcPts val="1000"/>
+              </a:spcBef>
+              <a:spcAft>
+                <a:spcPts val="0"/>
+              </a:spcAft>
+              <a:buClr>
+                <a:schemeClr val="bg2">
+                  <a:lumMod val="40000"/>
+                  <a:lumOff val="60000"/>
+                </a:schemeClr>
+              </a:buClr>
+              <a:buSzPct val="80000"/>
+              <a:buFont typeface="Wingdings 3" charset="2"/>
+              <a:buChar char=""/>
+              <a:defRPr sz="1400" b="0" i="0" kern="1200">
+                <a:solidFill>
+                  <a:schemeClr val="tx1"/>
+                </a:solidFill>
+                <a:latin typeface="+mj-lt"/>
+                <a:ea typeface="+mj-ea"/>
+                <a:cs typeface="+mj-cs"/>
+              </a:defRPr>
+            </a:lvl5pPr>
+            <a:lvl6pPr marL="2506000" indent="-228600" algn="l" defTabSz="457200" rtl="0" eaLnBrk="1" latinLnBrk="0" hangingPunct="1">
+              <a:spcBef>
+                <a:spcPts val="1000"/>
+              </a:spcBef>
+              <a:spcAft>
+                <a:spcPts val="0"/>
+              </a:spcAft>
+              <a:buClr>
+                <a:schemeClr val="bg2">
+                  <a:lumMod val="40000"/>
+                  <a:lumOff val="60000"/>
+                </a:schemeClr>
+              </a:buClr>
+              <a:buSzPct val="80000"/>
+              <a:buFont typeface="Wingdings 3" charset="2"/>
+              <a:buChar char=""/>
+              <a:defRPr sz="1400" b="0" i="0" kern="1200">
+                <a:solidFill>
+                  <a:schemeClr val="tx1"/>
+                </a:solidFill>
+                <a:latin typeface="+mj-lt"/>
+                <a:ea typeface="+mj-ea"/>
+                <a:cs typeface="+mj-cs"/>
+              </a:defRPr>
+            </a:lvl6pPr>
+            <a:lvl7pPr marL="2971800" indent="-228600" algn="l" defTabSz="457200" rtl="0" eaLnBrk="1" latinLnBrk="0" hangingPunct="1">
+              <a:spcBef>
+                <a:spcPts val="1000"/>
+              </a:spcBef>
+              <a:spcAft>
+                <a:spcPts val="0"/>
+              </a:spcAft>
+              <a:buClr>
+                <a:schemeClr val="bg2">
+                  <a:lumMod val="40000"/>
+                  <a:lumOff val="60000"/>
+                </a:schemeClr>
+              </a:buClr>
+              <a:buSzPct val="80000"/>
+              <a:buFont typeface="Wingdings 3" charset="2"/>
+              <a:buChar char=""/>
+              <a:defRPr sz="1400" b="0" i="0" kern="1200">
+                <a:solidFill>
+                  <a:schemeClr val="tx1"/>
+                </a:solidFill>
+                <a:latin typeface="+mj-lt"/>
+                <a:ea typeface="+mj-ea"/>
+                <a:cs typeface="+mj-cs"/>
+              </a:defRPr>
+            </a:lvl7pPr>
+            <a:lvl8pPr marL="3429000" indent="-228600" algn="l" defTabSz="457200" rtl="0" eaLnBrk="1" latinLnBrk="0" hangingPunct="1">
+              <a:spcBef>
+                <a:spcPts val="1000"/>
+              </a:spcBef>
+              <a:spcAft>
+                <a:spcPts val="0"/>
+              </a:spcAft>
+              <a:buClr>
+                <a:schemeClr val="bg2">
+                  <a:lumMod val="40000"/>
+                  <a:lumOff val="60000"/>
+                </a:schemeClr>
+              </a:buClr>
+              <a:buSzPct val="80000"/>
+              <a:buFont typeface="Wingdings 3" charset="2"/>
+              <a:buChar char=""/>
+              <a:defRPr sz="1400" b="0" i="0" kern="1200">
+                <a:solidFill>
+                  <a:schemeClr val="tx1"/>
+                </a:solidFill>
+                <a:latin typeface="+mj-lt"/>
+                <a:ea typeface="+mj-ea"/>
+                <a:cs typeface="+mj-cs"/>
+              </a:defRPr>
+            </a:lvl8pPr>
+            <a:lvl9pPr marL="3886200" indent="-228600" algn="l" defTabSz="457200" rtl="0" eaLnBrk="1" latinLnBrk="0" hangingPunct="1">
+              <a:spcBef>
+                <a:spcPts val="1000"/>
+              </a:spcBef>
+              <a:spcAft>
+                <a:spcPts val="0"/>
+              </a:spcAft>
+              <a:buClr>
+                <a:schemeClr val="bg2">
+                  <a:lumMod val="40000"/>
+                  <a:lumOff val="60000"/>
+                </a:schemeClr>
+              </a:buClr>
+              <a:buSzPct val="80000"/>
+              <a:buFont typeface="Wingdings 3" charset="2"/>
+              <a:buChar char=""/>
+              <a:defRPr sz="1400" b="0" i="0" kern="1200">
+                <a:solidFill>
+                  <a:schemeClr val="tx1"/>
+                </a:solidFill>
+                <a:latin typeface="+mj-lt"/>
+                <a:ea typeface="+mj-ea"/>
+                <a:cs typeface="+mj-cs"/>
+              </a:defRPr>
+            </a:lvl9pPr>
+          </a:lstStyle>
+          <a:p>
+            <a:r>
+              <a:rPr lang="fr-FR" dirty="0"/>
+              <a:t>Conclusion </a:t>
+            </a:r>
+          </a:p>
+          <a:p>
+            <a:pPr lvl="1">
+              <a:buFont typeface="Wingdings" panose="05000000000000000000" pitchFamily="2" charset="2"/>
+              <a:buChar char="Ø"/>
+            </a:pPr>
+            <a:r>
+              <a:rPr lang="fr-FR" dirty="0"/>
+              <a:t>Aléas du projet, retour sur les objectifs et évolution</a:t>
+            </a:r>
+          </a:p>
+        </p:txBody>
+      </p:sp>
+    </p:spTree>
+    <p:extLst>
+      <p:ext uri="{BB962C8B-B14F-4D97-AF65-F5344CB8AC3E}">
+        <p14:creationId xmlns:p14="http://schemas.microsoft.com/office/powerpoint/2010/main" val="2702147769"/>
+      </p:ext>
+    </p:extLst>
+  </p:cSld>
+  <p:clrMapOvr>
+    <a:masterClrMapping/>
+  </p:clrMapOvr>
+  <p:timing>
+    <p:tnLst>
+      <p:par>
+        <p:cTn id="1" dur="indefinite" restart="never" nodeType="tmRoot">
+          <p:childTnLst>
+            <p:seq concurrent="1" nextAc="seek">
+              <p:cTn id="2" dur="indefinite" nodeType="mainSeq">
+                <p:childTnLst>
+                  <p:par>
+                    <p:cTn id="3" fill="hold">
+                      <p:stCondLst>
+                        <p:cond delay="indefinite"/>
+                      </p:stCondLst>
+                      <p:childTnLst>
+                        <p:par>
+                          <p:cTn id="4" fill="hold">
+                            <p:stCondLst>
+                              <p:cond delay="0"/>
+                            </p:stCondLst>
+                            <p:childTnLst>
+                              <p:par>
+                                <p:cTn id="5" presetID="10" presetClass="entr" presetSubtype="0" fill="hold" grpId="0" nodeType="clickEffect">
+                                  <p:stCondLst>
+                                    <p:cond delay="0"/>
+                                  </p:stCondLst>
+                                  <p:childTnLst>
+                                    <p:set>
+                                      <p:cBhvr>
+                                        <p:cTn id="6" dur="1" fill="hold">
+                                          <p:stCondLst>
+                                            <p:cond delay="0"/>
+                                          </p:stCondLst>
+                                        </p:cTn>
+                                        <p:tgtEl>
+                                          <p:spTgt spid="9"/>
+                                        </p:tgtEl>
+                                        <p:attrNameLst>
+                                          <p:attrName>style.visibility</p:attrName>
+                                        </p:attrNameLst>
+                                      </p:cBhvr>
+                                      <p:to>
+                                        <p:strVal val="visible"/>
+                                      </p:to>
+                                    </p:set>
+                                    <p:animEffect transition="in" filter="fade">
+                                      <p:cBhvr>
+                                        <p:cTn id="7" dur="500"/>
+                                        <p:tgtEl>
+                                          <p:spTgt spid="9"/>
+                                        </p:tgtEl>
+                                      </p:cBhvr>
+                                    </p:animEffect>
+                                  </p:childTnLst>
+                                </p:cTn>
+                              </p:par>
+                            </p:childTnLst>
+                          </p:cTn>
+                        </p:par>
+                      </p:childTnLst>
+                    </p:cTn>
+                  </p:par>
+                  <p:par>
+                    <p:cTn id="8" fill="hold">
+                      <p:stCondLst>
+                        <p:cond delay="indefinite"/>
+                      </p:stCondLst>
+                      <p:childTnLst>
+                        <p:par>
+                          <p:cTn id="9" fill="hold">
+                            <p:stCondLst>
+                              <p:cond delay="0"/>
+                            </p:stCondLst>
+                            <p:childTnLst>
+                              <p:par>
+                                <p:cTn id="10" presetID="10" presetClass="entr" presetSubtype="0" fill="hold" grpId="0" nodeType="clickEffect">
+                                  <p:stCondLst>
+                                    <p:cond delay="0"/>
+                                  </p:stCondLst>
+                                  <p:childTnLst>
+                                    <p:set>
+                                      <p:cBhvr>
+                                        <p:cTn id="11" dur="1" fill="hold">
+                                          <p:stCondLst>
+                                            <p:cond delay="0"/>
+                                          </p:stCondLst>
+                                        </p:cTn>
+                                        <p:tgtEl>
+                                          <p:spTgt spid="11"/>
+                                        </p:tgtEl>
+                                        <p:attrNameLst>
+                                          <p:attrName>style.visibility</p:attrName>
+                                        </p:attrNameLst>
+                                      </p:cBhvr>
+                                      <p:to>
+                                        <p:strVal val="visible"/>
+                                      </p:to>
+                                    </p:set>
+                                    <p:animEffect transition="in" filter="fade">
+                                      <p:cBhvr>
+                                        <p:cTn id="12" dur="500"/>
+                                        <p:tgtEl>
+                                          <p:spTgt spid="11"/>
+                                        </p:tgtEl>
+                                      </p:cBhvr>
+                                    </p:animEffect>
+                                  </p:childTnLst>
+                                </p:cTn>
+                              </p:par>
+                            </p:childTnLst>
+                          </p:cTn>
+                        </p:par>
+                      </p:childTnLst>
+                    </p:cTn>
+                  </p:par>
+                  <p:par>
+                    <p:cTn id="13" fill="hold">
+                      <p:stCondLst>
+                        <p:cond delay="indefinite"/>
+                      </p:stCondLst>
+                      <p:childTnLst>
+                        <p:par>
+                          <p:cTn id="14" fill="hold">
+                            <p:stCondLst>
+                              <p:cond delay="0"/>
+                            </p:stCondLst>
+                            <p:childTnLst>
+                              <p:par>
+                                <p:cTn id="15" presetID="10" presetClass="entr" presetSubtype="0" fill="hold" grpId="0" nodeType="clickEffect">
+                                  <p:stCondLst>
+                                    <p:cond delay="0"/>
+                                  </p:stCondLst>
+                                  <p:childTnLst>
+                                    <p:set>
+                                      <p:cBhvr>
+                                        <p:cTn id="16" dur="1" fill="hold">
+                                          <p:stCondLst>
+                                            <p:cond delay="0"/>
+                                          </p:stCondLst>
+                                        </p:cTn>
+                                        <p:tgtEl>
+                                          <p:spTgt spid="12"/>
+                                        </p:tgtEl>
+                                        <p:attrNameLst>
+                                          <p:attrName>style.visibility</p:attrName>
+                                        </p:attrNameLst>
+                                      </p:cBhvr>
+                                      <p:to>
+                                        <p:strVal val="visible"/>
+                                      </p:to>
+                                    </p:set>
+                                    <p:animEffect transition="in" filter="fade">
+                                      <p:cBhvr>
+                                        <p:cTn id="17" dur="500"/>
+                                        <p:tgtEl>
+                                          <p:spTgt spid="12"/>
+                                        </p:tgtEl>
+                                      </p:cBhvr>
+                                    </p:animEffect>
+                                  </p:childTnLst>
+                                </p:cTn>
+                              </p:par>
+                            </p:childTnLst>
+                          </p:cTn>
+                        </p:par>
+                      </p:childTnLst>
+                    </p:cTn>
+                  </p:par>
+                </p:childTnLst>
+              </p:cTn>
+              <p:prevCondLst>
+                <p:cond evt="onPrev" delay="0">
+                  <p:tgtEl>
+                    <p:sldTgt/>
+                  </p:tgtEl>
+                </p:cond>
+              </p:prevCondLst>
+              <p:nextCondLst>
+                <p:cond evt="onNext" delay="0">
+                  <p:tgtEl>
+                    <p:sldTgt/>
+                  </p:tgtEl>
+                </p:cond>
+              </p:nextCondLst>
+            </p:seq>
+          </p:childTnLst>
+        </p:cTn>
+      </p:par>
+    </p:tnLst>
+    <p:bldLst>
+      <p:bldP spid="9" grpId="0"/>
+      <p:bldP spid="11" grpId="0"/>
+      <p:bldP spid="12" grpId="0"/>
+    </p:bldLst>
+  </p:timing>
+</p:sld>
+</file>
+
+<file path=ppt/slides/slide3.xml><?xml version="1.0" encoding="utf-8"?>
 <p:sld xmlns:a="http://schemas.openxmlformats.org/drawingml/2006/main" xmlns:r="http://schemas.openxmlformats.org/officeDocument/2006/relationships" xmlns:p="http://schemas.openxmlformats.org/presentationml/2006/main">
   <p:cSld>
     <p:spTree>
@@ -17632,7 +18896,7 @@
           <a:p>
             <a:fld id="{D57F1E4F-1CFF-5643-939E-02111984F565}" type="slidenum">
               <a:rPr lang="en-US" smtClean="0"/>
-              <a:t>2</a:t>
+              <a:t>3</a:t>
             </a:fld>
             <a:endParaRPr lang="en-US" dirty="0"/>
           </a:p>
@@ -17845,7 +19109,7 @@
 </p:sld>
 </file>
 
-<file path=ppt/slides/slide3.xml><?xml version="1.0" encoding="utf-8"?>
+<file path=ppt/slides/slide4.xml><?xml version="1.0" encoding="utf-8"?>
 <p:sld xmlns:a="http://schemas.openxmlformats.org/drawingml/2006/main" xmlns:r="http://schemas.openxmlformats.org/officeDocument/2006/relationships" xmlns:p="http://schemas.openxmlformats.org/presentationml/2006/main">
   <p:cSld>
     <p:spTree>
@@ -18744,7 +20008,7 @@
           <a:p>
             <a:fld id="{D57F1E4F-1CFF-5643-939E-02111984F565}" type="slidenum">
               <a:rPr lang="en-US" smtClean="0"/>
-              <a:t>3</a:t>
+              <a:t>4</a:t>
             </a:fld>
             <a:endParaRPr lang="en-US" dirty="0"/>
           </a:p>
@@ -18957,7 +20221,7 @@
 </p:sld>
 </file>
 
-<file path=ppt/slides/slide4.xml><?xml version="1.0" encoding="utf-8"?>
+<file path=ppt/slides/slide5.xml><?xml version="1.0" encoding="utf-8"?>
 <p:sld xmlns:a="http://schemas.openxmlformats.org/drawingml/2006/main" xmlns:r="http://schemas.openxmlformats.org/officeDocument/2006/relationships" xmlns:p="http://schemas.openxmlformats.org/presentationml/2006/main">
   <p:cSld>
     <p:spTree>
@@ -19000,7 +20264,7 @@
                   <a:srgbClr val="FF0000"/>
                 </a:solidFill>
               </a:rPr>
-              <a:t>Cahier des Charges – Fonctionnalités</a:t>
+              <a:t>Cahier des Charges – Fonctionnalités (1)</a:t>
             </a:r>
           </a:p>
         </p:txBody>
@@ -19843,7 +21107,7 @@
           <a:p>
             <a:fld id="{D57F1E4F-1CFF-5643-939E-02111984F565}" type="slidenum">
               <a:rPr lang="en-US" smtClean="0"/>
-              <a:t>4</a:t>
+              <a:t>5</a:t>
             </a:fld>
             <a:endParaRPr lang="en-US" dirty="0"/>
           </a:p>
@@ -20056,7 +21320,7 @@
 </p:sld>
 </file>
 
-<file path=ppt/slides/slide5.xml><?xml version="1.0" encoding="utf-8"?>
+<file path=ppt/slides/slide6.xml><?xml version="1.0" encoding="utf-8"?>
 <p:sld xmlns:a="http://schemas.openxmlformats.org/drawingml/2006/main" xmlns:r="http://schemas.openxmlformats.org/officeDocument/2006/relationships" xmlns:p="http://schemas.openxmlformats.org/presentationml/2006/main">
   <p:cSld>
     <p:spTree>
@@ -20099,7 +21363,7 @@
                   <a:srgbClr val="FF0000"/>
                 </a:solidFill>
               </a:rPr>
-              <a:t>Cahier des Charges – Fonctionnalités</a:t>
+              <a:t>Cahier des Charges – Fonctionnalités (2)</a:t>
             </a:r>
           </a:p>
         </p:txBody>
@@ -20674,7 +21938,7 @@
           <a:p>
             <a:fld id="{D57F1E4F-1CFF-5643-939E-02111984F565}" type="slidenum">
               <a:rPr lang="en-US" smtClean="0"/>
-              <a:t>5</a:t>
+              <a:t>6</a:t>
             </a:fld>
             <a:endParaRPr lang="en-US" dirty="0"/>
           </a:p>
@@ -20833,7 +22097,7 @@
 </p:sld>
 </file>
 
-<file path=ppt/slides/slide6.xml><?xml version="1.0" encoding="utf-8"?>
+<file path=ppt/slides/slide7.xml><?xml version="1.0" encoding="utf-8"?>
 <p:sld xmlns:a="http://schemas.openxmlformats.org/drawingml/2006/main" xmlns:r="http://schemas.openxmlformats.org/officeDocument/2006/relationships" xmlns:p="http://schemas.openxmlformats.org/presentationml/2006/main">
   <p:cSld>
     <p:spTree>
@@ -20876,7 +22140,7 @@
                   <a:srgbClr val="FF0000"/>
                 </a:solidFill>
               </a:rPr>
-              <a:t>Cahier des Charges – Fonctionnalités</a:t>
+              <a:t>Cahier des Charges – Fonctionnalités (3)</a:t>
             </a:r>
           </a:p>
         </p:txBody>
@@ -21719,7 +22983,7 @@
           <a:p>
             <a:fld id="{D57F1E4F-1CFF-5643-939E-02111984F565}" type="slidenum">
               <a:rPr lang="en-US" smtClean="0"/>
-              <a:t>6</a:t>
+              <a:t>7</a:t>
             </a:fld>
             <a:endParaRPr lang="en-US" dirty="0"/>
           </a:p>
@@ -21932,7 +23196,7 @@
 </p:sld>
 </file>
 
-<file path=ppt/slides/slide7.xml><?xml version="1.0" encoding="utf-8"?>
+<file path=ppt/slides/slide8.xml><?xml version="1.0" encoding="utf-8"?>
 <p:sld xmlns:a="http://schemas.openxmlformats.org/drawingml/2006/main" xmlns:r="http://schemas.openxmlformats.org/officeDocument/2006/relationships" xmlns:p="http://schemas.openxmlformats.org/presentationml/2006/main">
   <p:cSld>
     <p:spTree>
@@ -22306,7 +23570,7 @@
           <a:p>
             <a:fld id="{D57F1E4F-1CFF-5643-939E-02111984F565}" type="slidenum">
               <a:rPr lang="en-US" smtClean="0"/>
-              <a:t>7</a:t>
+              <a:t>8</a:t>
             </a:fld>
             <a:endParaRPr lang="en-US" dirty="0"/>
           </a:p>
@@ -22411,7 +23675,7 @@
 </p:sld>
 </file>
 
-<file path=ppt/slides/slide8.xml><?xml version="1.0" encoding="utf-8"?>
+<file path=ppt/slides/slide9.xml><?xml version="1.0" encoding="utf-8"?>
 <p:sld xmlns:a="http://schemas.openxmlformats.org/drawingml/2006/main" xmlns:r="http://schemas.openxmlformats.org/officeDocument/2006/relationships" xmlns:p="http://schemas.openxmlformats.org/presentationml/2006/main">
   <p:cSld>
     <p:spTree>
@@ -23337,7 +24601,7 @@
           <a:p>
             <a:fld id="{D57F1E4F-1CFF-5643-939E-02111984F565}" type="slidenum">
               <a:rPr lang="en-US" smtClean="0"/>
-              <a:t>8</a:t>
+              <a:t>9</a:t>
             </a:fld>
             <a:endParaRPr lang="en-US" dirty="0"/>
           </a:p>
@@ -23547,127 +24811,6 @@
       <p:bldP spid="7" grpId="0"/>
     </p:bldLst>
   </p:timing>
-</p:sld>
-</file>
-
-<file path=ppt/slides/slide9.xml><?xml version="1.0" encoding="utf-8"?>
-<p:sld xmlns:a="http://schemas.openxmlformats.org/drawingml/2006/main" xmlns:r="http://schemas.openxmlformats.org/officeDocument/2006/relationships" xmlns:p="http://schemas.openxmlformats.org/presentationml/2006/main">
-  <p:cSld>
-    <p:spTree>
-      <p:nvGrpSpPr>
-        <p:cNvPr id="1" name=""/>
-        <p:cNvGrpSpPr/>
-        <p:nvPr/>
-      </p:nvGrpSpPr>
-      <p:grpSpPr>
-        <a:xfrm>
-          <a:off x="0" y="0"/>
-          <a:ext cx="0" cy="0"/>
-          <a:chOff x="0" y="0"/>
-          <a:chExt cx="0" cy="0"/>
-        </a:xfrm>
-      </p:grpSpPr>
-      <p:sp>
-        <p:nvSpPr>
-          <p:cNvPr id="2" name="Titre 1"/>
-          <p:cNvSpPr>
-            <a:spLocks noGrp="1"/>
-          </p:cNvSpPr>
-          <p:nvPr>
-            <p:ph type="title"/>
-          </p:nvPr>
-        </p:nvSpPr>
-        <p:spPr>
-          <a:xfrm>
-            <a:off x="734034" y="244511"/>
-            <a:ext cx="9404723" cy="1400530"/>
-          </a:xfrm>
-        </p:spPr>
-        <p:txBody>
-          <a:bodyPr/>
-          <a:lstStyle/>
-          <a:p>
-            <a:r>
-              <a:rPr lang="fr-FR" sz="3600" dirty="0">
-                <a:solidFill>
-                  <a:srgbClr val="FF0000"/>
-                </a:solidFill>
-              </a:rPr>
-              <a:t>Méthodologie – </a:t>
-            </a:r>
-            <a:r>
-              <a:rPr lang="fr-FR" sz="2800" dirty="0">
-                <a:solidFill>
-                  <a:srgbClr val="FF0000"/>
-                </a:solidFill>
-              </a:rPr>
-              <a:t>Architecture &amp; Fonctionnement</a:t>
-            </a:r>
-            <a:endParaRPr lang="fr-FR" sz="3200" dirty="0">
-              <a:solidFill>
-                <a:srgbClr val="FF0000"/>
-              </a:solidFill>
-            </a:endParaRPr>
-          </a:p>
-        </p:txBody>
-      </p:sp>
-      <p:pic>
-        <p:nvPicPr>
-          <p:cNvPr id="18" name="Image 17"/>
-          <p:cNvPicPr>
-            <a:picLocks noChangeAspect="1"/>
-          </p:cNvPicPr>
-          <p:nvPr/>
-        </p:nvPicPr>
-        <p:blipFill>
-          <a:blip r:embed="rId2"/>
-          <a:stretch>
-            <a:fillRect/>
-          </a:stretch>
-        </p:blipFill>
-        <p:spPr>
-          <a:xfrm>
-            <a:off x="1830774" y="1382927"/>
-            <a:ext cx="7211242" cy="5022885"/>
-          </a:xfrm>
-          <a:prstGeom prst="rect">
-            <a:avLst/>
-          </a:prstGeom>
-        </p:spPr>
-      </p:pic>
-      <p:sp>
-        <p:nvSpPr>
-          <p:cNvPr id="20" name="Espace réservé du numéro de diapositive 19"/>
-          <p:cNvSpPr>
-            <a:spLocks noGrp="1"/>
-          </p:cNvSpPr>
-          <p:nvPr>
-            <p:ph type="sldNum" sz="quarter" idx="12"/>
-          </p:nvPr>
-        </p:nvSpPr>
-        <p:spPr/>
-        <p:txBody>
-          <a:bodyPr/>
-          <a:lstStyle/>
-          <a:p>
-            <a:fld id="{D57F1E4F-1CFF-5643-939E-02111984F565}" type="slidenum">
-              <a:rPr lang="en-US" smtClean="0"/>
-              <a:t>9</a:t>
-            </a:fld>
-            <a:endParaRPr lang="en-US" dirty="0"/>
-          </a:p>
-        </p:txBody>
-      </p:sp>
-    </p:spTree>
-    <p:extLst>
-      <p:ext uri="{BB962C8B-B14F-4D97-AF65-F5344CB8AC3E}">
-        <p14:creationId xmlns:p14="http://schemas.microsoft.com/office/powerpoint/2010/main" val="1677150759"/>
-      </p:ext>
-    </p:extLst>
-  </p:cSld>
-  <p:clrMapOvr>
-    <a:masterClrMapping/>
-  </p:clrMapOvr>
 </p:sld>
 </file>
 
